--- a/2023/MP_CCS_Exosquelette/images/Figures.pptx
+++ b/2023/MP_CCS_Exosquelette/images/Figures.pptx
@@ -3735,8 +3735,8 @@
               </a:p>
             </p:txBody>
           </p:sp>
-          <mc:AlternateContent xmlns:mc="http://schemas.openxmlformats.org/markup-compatibility/2006">
-            <mc:Choice xmlns:a14="http://schemas.microsoft.com/office/drawing/2010/main" Requires="a14">
+          <mc:AlternateContent xmlns:mc="http://schemas.openxmlformats.org/markup-compatibility/2006" xmlns:a14="http://schemas.microsoft.com/office/drawing/2010/main">
+            <mc:Choice Requires="a14">
               <p:sp>
                 <p:nvSpPr>
                   <p:cNvPr id="17" name="ZoneTexte 16">
@@ -3765,6 +3765,7 @@
                   </a:bodyPr>
                   <a:lstStyle/>
                   <a:p>
+                    <a:pPr/>
                     <a14:m>
                       <m:oMathPara xmlns:m="http://schemas.openxmlformats.org/officeDocument/2006/math">
                         <m:oMathParaPr>
@@ -3797,7 +3798,7 @@
                 </p:txBody>
               </p:sp>
             </mc:Choice>
-            <mc:Fallback>
+            <mc:Fallback xmlns="">
               <p:sp>
                 <p:nvSpPr>
                   <p:cNvPr id="17" name="ZoneTexte 16">
@@ -3842,8 +3843,8 @@
               </p:sp>
             </mc:Fallback>
           </mc:AlternateContent>
-          <mc:AlternateContent xmlns:mc="http://schemas.openxmlformats.org/markup-compatibility/2006">
-            <mc:Choice xmlns:a14="http://schemas.microsoft.com/office/drawing/2010/main" Requires="a14">
+          <mc:AlternateContent xmlns:mc="http://schemas.openxmlformats.org/markup-compatibility/2006" xmlns:a14="http://schemas.microsoft.com/office/drawing/2010/main">
+            <mc:Choice Requires="a14">
               <p:sp>
                 <p:nvSpPr>
                   <p:cNvPr id="18" name="ZoneTexte 17">
@@ -3872,6 +3873,7 @@
                   </a:bodyPr>
                   <a:lstStyle/>
                   <a:p>
+                    <a:pPr/>
                     <a14:m>
                       <m:oMathPara xmlns:m="http://schemas.openxmlformats.org/officeDocument/2006/math">
                         <m:oMathParaPr>
@@ -3904,7 +3906,7 @@
                 </p:txBody>
               </p:sp>
             </mc:Choice>
-            <mc:Fallback>
+            <mc:Fallback xmlns="">
               <p:sp>
                 <p:nvSpPr>
                   <p:cNvPr id="18" name="ZoneTexte 17">
@@ -3949,8 +3951,8 @@
               </p:sp>
             </mc:Fallback>
           </mc:AlternateContent>
-          <mc:AlternateContent xmlns:mc="http://schemas.openxmlformats.org/markup-compatibility/2006">
-            <mc:Choice xmlns:a14="http://schemas.microsoft.com/office/drawing/2010/main" Requires="a14">
+          <mc:AlternateContent xmlns:mc="http://schemas.openxmlformats.org/markup-compatibility/2006" xmlns:a14="http://schemas.microsoft.com/office/drawing/2010/main">
+            <mc:Choice Requires="a14">
               <p:sp>
                 <p:nvSpPr>
                   <p:cNvPr id="19" name="ZoneTexte 18">
@@ -3979,6 +3981,7 @@
                   </a:bodyPr>
                   <a:lstStyle/>
                   <a:p>
+                    <a:pPr/>
                     <a14:m>
                       <m:oMathPara xmlns:m="http://schemas.openxmlformats.org/officeDocument/2006/math">
                         <m:oMathParaPr>
@@ -4011,7 +4014,7 @@
                 </p:txBody>
               </p:sp>
             </mc:Choice>
-            <mc:Fallback>
+            <mc:Fallback xmlns="">
               <p:sp>
                 <p:nvSpPr>
                   <p:cNvPr id="19" name="ZoneTexte 18">
@@ -4056,8 +4059,8 @@
               </p:sp>
             </mc:Fallback>
           </mc:AlternateContent>
-          <mc:AlternateContent xmlns:mc="http://schemas.openxmlformats.org/markup-compatibility/2006">
-            <mc:Choice xmlns:a14="http://schemas.microsoft.com/office/drawing/2010/main" Requires="a14">
+          <mc:AlternateContent xmlns:mc="http://schemas.openxmlformats.org/markup-compatibility/2006" xmlns:a14="http://schemas.microsoft.com/office/drawing/2010/main">
+            <mc:Choice Requires="a14">
               <p:sp>
                 <p:nvSpPr>
                   <p:cNvPr id="20" name="ZoneTexte 19">
@@ -4086,6 +4089,7 @@
                   </a:bodyPr>
                   <a:lstStyle/>
                   <a:p>
+                    <a:pPr/>
                     <a14:m>
                       <m:oMathPara xmlns:m="http://schemas.openxmlformats.org/officeDocument/2006/math">
                         <m:oMathParaPr>
@@ -4118,7 +4122,7 @@
                 </p:txBody>
               </p:sp>
             </mc:Choice>
-            <mc:Fallback>
+            <mc:Fallback xmlns="">
               <p:sp>
                 <p:nvSpPr>
                   <p:cNvPr id="20" name="ZoneTexte 19">
@@ -4163,8 +4167,8 @@
               </p:sp>
             </mc:Fallback>
           </mc:AlternateContent>
-          <mc:AlternateContent xmlns:mc="http://schemas.openxmlformats.org/markup-compatibility/2006">
-            <mc:Choice xmlns:a14="http://schemas.microsoft.com/office/drawing/2010/main" Requires="a14">
+          <mc:AlternateContent xmlns:mc="http://schemas.openxmlformats.org/markup-compatibility/2006" xmlns:a14="http://schemas.microsoft.com/office/drawing/2010/main">
+            <mc:Choice Requires="a14">
               <p:sp>
                 <p:nvSpPr>
                   <p:cNvPr id="21" name="ZoneTexte 20">
@@ -4193,6 +4197,7 @@
                   </a:bodyPr>
                   <a:lstStyle/>
                   <a:p>
+                    <a:pPr/>
                     <a14:m>
                       <m:oMathPara xmlns:m="http://schemas.openxmlformats.org/officeDocument/2006/math">
                         <m:oMathParaPr>
@@ -4225,7 +4230,7 @@
                 </p:txBody>
               </p:sp>
             </mc:Choice>
-            <mc:Fallback>
+            <mc:Fallback xmlns="">
               <p:sp>
                 <p:nvSpPr>
                   <p:cNvPr id="21" name="ZoneTexte 20">
@@ -4288,7 +4293,7 @@
               <p:spPr>
                 <a:xfrm>
                   <a:off x="2877946" y="4489860"/>
-                  <a:ext cx="203582" cy="369332"/>
+                  <a:ext cx="264816" cy="369332"/>
                 </a:xfrm>
                 <a:prstGeom prst="rect">
                   <a:avLst/>
@@ -4301,6 +4306,7 @@
                 </a:bodyPr>
                 <a:lstStyle/>
                 <a:p>
+                  <a:pPr/>
                   <a14:m>
                     <m:oMathPara xmlns:m="http://schemas.openxmlformats.org/officeDocument/2006/math">
                       <m:oMathParaPr>
@@ -4308,13 +4314,10 @@
                       </m:oMathParaPr>
                       <m:oMath xmlns:m="http://schemas.openxmlformats.org/officeDocument/2006/math">
                         <m:r>
-                          <m:rPr>
-                            <m:sty m:val="p"/>
-                          </m:rPr>
-                          <a:rPr lang="el-GR" sz="1200" i="1">
+                          <a:rPr lang="fr-FR" sz="1200" b="0" i="1" smtClean="0">
                             <a:latin typeface="Cambria Math" panose="02040503050406030204" pitchFamily="18" charset="0"/>
                           </a:rPr>
-                          <m:t>Ψ</m:t>
+                          <m:t>𝜓</m:t>
                         </m:r>
                       </m:oMath>
                     </m:oMathPara>
@@ -4347,7 +4350,7 @@
               <p:spPr>
                 <a:xfrm>
                   <a:off x="2877946" y="4489860"/>
-                  <a:ext cx="203582" cy="369332"/>
+                  <a:ext cx="264816" cy="369332"/>
                 </a:xfrm>
                 <a:prstGeom prst="rect">
                   <a:avLst/>
@@ -4355,7 +4358,7 @@
                 <a:blipFill>
                   <a:blip r:embed="rId8"/>
                   <a:stretch>
-                    <a:fillRect l="-5882" r="-5882"/>
+                    <a:fillRect t="-1667"/>
                   </a:stretch>
                 </a:blipFill>
               </p:spPr>
@@ -4390,9 +4393,9 @@
         <p:grpSpPr>
           <a:xfrm>
             <a:off x="3412988" y="4055705"/>
-            <a:ext cx="1379048" cy="1345903"/>
+            <a:ext cx="1394539" cy="1345903"/>
             <a:chOff x="1968679" y="4056747"/>
-            <a:chExt cx="1379048" cy="1345903"/>
+            <a:chExt cx="1394539" cy="1345903"/>
           </a:xfrm>
         </p:grpSpPr>
         <p:sp>
@@ -4464,9 +4467,9 @@
           <p:grpSpPr>
             <a:xfrm>
               <a:off x="2164013" y="4056747"/>
-              <a:ext cx="1183714" cy="1034780"/>
+              <a:ext cx="1199205" cy="1034780"/>
               <a:chOff x="2164013" y="4056747"/>
-              <a:chExt cx="1183714" cy="1034780"/>
+              <a:chExt cx="1199205" cy="1034780"/>
             </a:xfrm>
           </p:grpSpPr>
           <p:grpSp>
@@ -4754,7 +4757,7 @@
                 <p:spPr>
                   <a:xfrm>
                     <a:off x="3226027" y="4777744"/>
-                    <a:ext cx="121700" cy="184666"/>
+                    <a:ext cx="123111" cy="184666"/>
                   </a:xfrm>
                   <a:prstGeom prst="rect">
                     <a:avLst/>
@@ -4767,6 +4770,7 @@
                   </a:bodyPr>
                   <a:lstStyle/>
                   <a:p>
+                    <a:pPr/>
                     <a14:m>
                       <m:oMathPara xmlns:m="http://schemas.openxmlformats.org/officeDocument/2006/math">
                         <m:oMathParaPr>
@@ -4787,7 +4791,7 @@
                                 <a:rPr lang="fr-FR" sz="1200" b="0" i="1" smtClean="0">
                                   <a:latin typeface="Cambria Math" panose="02040503050406030204" pitchFamily="18" charset="0"/>
                                 </a:rPr>
-                                <m:t>𝑥</m:t>
+                                <m:t>𝑣</m:t>
                               </m:r>
                             </m:e>
                           </m:acc>
@@ -4817,13 +4821,13 @@
                 <p:spPr>
                   <a:xfrm>
                     <a:off x="3226027" y="4777744"/>
-                    <a:ext cx="121700" cy="184666"/>
+                    <a:ext cx="123111" cy="184666"/>
                   </a:xfrm>
                   <a:prstGeom prst="rect">
                     <a:avLst/>
                   </a:prstGeom>
                   <a:blipFill>
-                    <a:blip r:embed="rId3"/>
+                    <a:blip r:embed="rId9"/>
                     <a:stretch>
                       <a:fillRect l="-15000" t="-30000" r="-90000"/>
                     </a:stretch>
@@ -4861,7 +4865,7 @@
                 <p:spPr>
                   <a:xfrm>
                     <a:off x="2562210" y="4056747"/>
-                    <a:ext cx="124458" cy="184666"/>
+                    <a:ext cx="111634" cy="184666"/>
                   </a:xfrm>
                   <a:prstGeom prst="rect">
                     <a:avLst/>
@@ -4874,6 +4878,7 @@
                   </a:bodyPr>
                   <a:lstStyle/>
                   <a:p>
+                    <a:pPr/>
                     <a14:m>
                       <m:oMathPara xmlns:m="http://schemas.openxmlformats.org/officeDocument/2006/math">
                         <m:oMathParaPr>
@@ -4894,7 +4899,7 @@
                                 <a:rPr lang="fr-FR" sz="1200" b="0" i="1" smtClean="0">
                                   <a:latin typeface="Cambria Math" panose="02040503050406030204" pitchFamily="18" charset="0"/>
                                 </a:rPr>
-                                <m:t>𝑦</m:t>
+                                <m:t>𝑧</m:t>
                               </m:r>
                             </m:e>
                           </m:acc>
@@ -4924,15 +4929,15 @@
                 <p:spPr>
                   <a:xfrm>
                     <a:off x="2562210" y="4056747"/>
-                    <a:ext cx="124458" cy="184666"/>
+                    <a:ext cx="111634" cy="184666"/>
                   </a:xfrm>
                   <a:prstGeom prst="rect">
                     <a:avLst/>
                   </a:prstGeom>
                   <a:blipFill>
-                    <a:blip r:embed="rId9"/>
+                    <a:blip r:embed="rId10"/>
                     <a:stretch>
-                      <a:fillRect l="-28571" t="-25806" r="-80952" b="-19355"/>
+                      <a:fillRect l="-15789" t="-25806" r="-89474"/>
                     </a:stretch>
                   </a:blipFill>
                 </p:spPr>
@@ -4968,7 +4973,7 @@
                 <p:spPr>
                   <a:xfrm>
                     <a:off x="2432714" y="4906861"/>
-                    <a:ext cx="111634" cy="184666"/>
+                    <a:ext cx="127343" cy="184666"/>
                   </a:xfrm>
                   <a:prstGeom prst="rect">
                     <a:avLst/>
@@ -4981,6 +4986,7 @@
                   </a:bodyPr>
                   <a:lstStyle/>
                   <a:p>
+                    <a:pPr/>
                     <a14:m>
                       <m:oMathPara xmlns:m="http://schemas.openxmlformats.org/officeDocument/2006/math">
                         <m:oMathParaPr>
@@ -5001,7 +5007,7 @@
                                 <a:rPr lang="fr-FR" sz="1200" b="0" i="1" smtClean="0">
                                   <a:latin typeface="Cambria Math" panose="02040503050406030204" pitchFamily="18" charset="0"/>
                                 </a:rPr>
-                                <m:t>𝑧</m:t>
+                                <m:t>𝑢</m:t>
                               </m:r>
                             </m:e>
                           </m:acc>
@@ -5031,15 +5037,15 @@
                 <p:spPr>
                   <a:xfrm>
                     <a:off x="2432714" y="4906861"/>
-                    <a:ext cx="111634" cy="184666"/>
+                    <a:ext cx="127343" cy="184666"/>
                   </a:xfrm>
                   <a:prstGeom prst="rect">
                     <a:avLst/>
                   </a:prstGeom>
                   <a:blipFill>
-                    <a:blip r:embed="rId10"/>
+                    <a:blip r:embed="rId11"/>
                     <a:stretch>
-                      <a:fillRect l="-22222" t="-30000" r="-94444"/>
+                      <a:fillRect l="-19048" r="-9524"/>
                     </a:stretch>
                   </a:blipFill>
                 </p:spPr>
@@ -5075,7 +5081,7 @@
                 <p:spPr>
                   <a:xfrm>
                     <a:off x="3209651" y="4564924"/>
-                    <a:ext cx="127343" cy="184666"/>
+                    <a:ext cx="153567" cy="184666"/>
                   </a:xfrm>
                   <a:prstGeom prst="rect">
                     <a:avLst/>
@@ -5088,6 +5094,7 @@
                   </a:bodyPr>
                   <a:lstStyle/>
                   <a:p>
+                    <a:pPr/>
                     <a14:m>
                       <m:oMathPara xmlns:m="http://schemas.openxmlformats.org/officeDocument/2006/math">
                         <m:oMathParaPr>
@@ -5108,7 +5115,7 @@
                                 <a:rPr lang="fr-FR" sz="1200" b="0" i="1" smtClean="0">
                                   <a:latin typeface="Cambria Math" panose="02040503050406030204" pitchFamily="18" charset="0"/>
                                 </a:rPr>
-                                <m:t>𝑢</m:t>
+                                <m:t>𝑤</m:t>
                               </m:r>
                             </m:e>
                           </m:acc>
@@ -5138,15 +5145,15 @@
                 <p:spPr>
                   <a:xfrm>
                     <a:off x="3209651" y="4564924"/>
-                    <a:ext cx="127343" cy="184666"/>
+                    <a:ext cx="153567" cy="184666"/>
                   </a:xfrm>
                   <a:prstGeom prst="rect">
                     <a:avLst/>
                   </a:prstGeom>
                   <a:blipFill>
-                    <a:blip r:embed="rId11"/>
+                    <a:blip r:embed="rId12"/>
                     <a:stretch>
-                      <a:fillRect l="-14286" r="-14286"/>
+                      <a:fillRect l="-11538" r="-7692"/>
                     </a:stretch>
                   </a:blipFill>
                 </p:spPr>
@@ -5182,7 +5189,7 @@
                 <p:spPr>
                   <a:xfrm>
                     <a:off x="2164013" y="4123872"/>
-                    <a:ext cx="123111" cy="184666"/>
+                    <a:ext cx="173766" cy="184666"/>
                   </a:xfrm>
                   <a:prstGeom prst="rect">
                     <a:avLst/>
@@ -5195,6 +5202,7 @@
                   </a:bodyPr>
                   <a:lstStyle/>
                   <a:p>
+                    <a:pPr/>
                     <a14:m>
                       <m:oMathPara xmlns:m="http://schemas.openxmlformats.org/officeDocument/2006/math">
                         <m:oMathParaPr>
@@ -5211,12 +5219,31 @@
                               </m:ctrlPr>
                             </m:accPr>
                             <m:e>
-                              <m:r>
-                                <a:rPr lang="fr-FR" sz="1200" b="0" i="1" smtClean="0">
-                                  <a:latin typeface="Cambria Math" panose="02040503050406030204" pitchFamily="18" charset="0"/>
-                                </a:rPr>
-                                <m:t>𝑣</m:t>
-                              </m:r>
+                              <m:sSub>
+                                <m:sSubPr>
+                                  <m:ctrlPr>
+                                    <a:rPr lang="fr-FR" sz="1200" b="0" i="1" smtClean="0">
+                                      <a:latin typeface="Cambria Math" panose="02040503050406030204" pitchFamily="18" charset="0"/>
+                                    </a:rPr>
+                                  </m:ctrlPr>
+                                </m:sSubPr>
+                                <m:e>
+                                  <m:r>
+                                    <a:rPr lang="fr-FR" sz="1200" b="0" i="1" smtClean="0">
+                                      <a:latin typeface="Cambria Math" panose="02040503050406030204" pitchFamily="18" charset="0"/>
+                                    </a:rPr>
+                                    <m:t>𝑧</m:t>
+                                  </m:r>
+                                </m:e>
+                                <m:sub>
+                                  <m:r>
+                                    <a:rPr lang="fr-FR" sz="1200" b="0" i="1" smtClean="0">
+                                      <a:latin typeface="Cambria Math" panose="02040503050406030204" pitchFamily="18" charset="0"/>
+                                    </a:rPr>
+                                    <m:t>1</m:t>
+                                  </m:r>
+                                </m:sub>
+                              </m:sSub>
                             </m:e>
                           </m:acc>
                         </m:oMath>
@@ -5245,15 +5272,15 @@
                 <p:spPr>
                   <a:xfrm>
                     <a:off x="2164013" y="4123872"/>
-                    <a:ext cx="123111" cy="184666"/>
+                    <a:ext cx="173766" cy="184666"/>
                   </a:xfrm>
                   <a:prstGeom prst="rect">
                     <a:avLst/>
                   </a:prstGeom>
                   <a:blipFill>
-                    <a:blip r:embed="rId12"/>
+                    <a:blip r:embed="rId13"/>
                     <a:stretch>
-                      <a:fillRect l="-20000" t="-25806" r="-85000"/>
+                      <a:fillRect l="-14286" r="-3571" b="-9677"/>
                     </a:stretch>
                   </a:blipFill>
                 </p:spPr>
@@ -5290,7 +5317,7 @@
               <p:spPr>
                 <a:xfrm>
                   <a:off x="2877946" y="4489860"/>
-                  <a:ext cx="203582" cy="369332"/>
+                  <a:ext cx="304379" cy="369332"/>
                 </a:xfrm>
                 <a:prstGeom prst="rect">
                   <a:avLst/>
@@ -5303,6 +5330,7 @@
                 </a:bodyPr>
                 <a:lstStyle/>
                 <a:p>
+                  <a:pPr/>
                   <a14:m>
                     <m:oMathPara xmlns:m="http://schemas.openxmlformats.org/officeDocument/2006/math">
                       <m:oMathParaPr>
@@ -5310,13 +5338,10 @@
                       </m:oMathParaPr>
                       <m:oMath xmlns:m="http://schemas.openxmlformats.org/officeDocument/2006/math">
                         <m:r>
-                          <m:rPr>
-                            <m:sty m:val="p"/>
-                          </m:rPr>
-                          <a:rPr lang="el-GR" sz="1200" i="1">
+                          <a:rPr lang="fr-FR" sz="1200" b="0" i="1" smtClean="0">
                             <a:latin typeface="Cambria Math" panose="02040503050406030204" pitchFamily="18" charset="0"/>
                           </a:rPr>
-                          <m:t>Ψ</m:t>
+                          <m:t>𝜃</m:t>
                         </m:r>
                       </m:oMath>
                     </m:oMathPara>
@@ -5349,15 +5374,15 @@
               <p:spPr>
                 <a:xfrm>
                   <a:off x="2877946" y="4489860"/>
-                  <a:ext cx="203582" cy="369332"/>
+                  <a:ext cx="304379" cy="369332"/>
                 </a:xfrm>
                 <a:prstGeom prst="rect">
                   <a:avLst/>
                 </a:prstGeom>
                 <a:blipFill>
-                  <a:blip r:embed="rId13"/>
+                  <a:blip r:embed="rId14"/>
                   <a:stretch>
-                    <a:fillRect l="-6061" r="-9091"/>
+                    <a:fillRect/>
                   </a:stretch>
                 </a:blipFill>
               </p:spPr>
@@ -5391,10 +5416,10 @@
         </p:nvGrpSpPr>
         <p:grpSpPr>
           <a:xfrm>
-            <a:off x="4857297" y="4054663"/>
-            <a:ext cx="1379048" cy="1345903"/>
-            <a:chOff x="1968679" y="4056747"/>
-            <a:chExt cx="1379048" cy="1345903"/>
+            <a:off x="4857297" y="4029815"/>
+            <a:ext cx="1425061" cy="1370751"/>
+            <a:chOff x="1968679" y="4031899"/>
+            <a:chExt cx="1425061" cy="1370751"/>
           </a:xfrm>
         </p:grpSpPr>
         <p:sp>
@@ -5465,10 +5490,10 @@
           </p:nvGrpSpPr>
           <p:grpSpPr>
             <a:xfrm>
-              <a:off x="2164013" y="4056747"/>
-              <a:ext cx="1183714" cy="1034780"/>
-              <a:chOff x="2164013" y="4056747"/>
-              <a:chExt cx="1183714" cy="1034780"/>
+              <a:off x="2111887" y="4031899"/>
+              <a:ext cx="1281853" cy="1059628"/>
+              <a:chOff x="2111887" y="4031899"/>
+              <a:chExt cx="1281853" cy="1059628"/>
             </a:xfrm>
           </p:grpSpPr>
           <p:grpSp>
@@ -5756,7 +5781,7 @@
                 <p:spPr>
                   <a:xfrm>
                     <a:off x="3226027" y="4777744"/>
-                    <a:ext cx="121700" cy="184666"/>
+                    <a:ext cx="127343" cy="184666"/>
                   </a:xfrm>
                   <a:prstGeom prst="rect">
                     <a:avLst/>
@@ -5769,6 +5794,7 @@
                   </a:bodyPr>
                   <a:lstStyle/>
                   <a:p>
+                    <a:pPr/>
                     <a14:m>
                       <m:oMathPara xmlns:m="http://schemas.openxmlformats.org/officeDocument/2006/math">
                         <m:oMathParaPr>
@@ -5789,7 +5815,7 @@
                                 <a:rPr lang="fr-FR" sz="1200" b="0" i="1" smtClean="0">
                                   <a:latin typeface="Cambria Math" panose="02040503050406030204" pitchFamily="18" charset="0"/>
                                 </a:rPr>
-                                <m:t>𝑥</m:t>
+                                <m:t>𝑢</m:t>
                               </m:r>
                             </m:e>
                           </m:acc>
@@ -5819,15 +5845,15 @@
                 <p:spPr>
                   <a:xfrm>
                     <a:off x="3226027" y="4777744"/>
-                    <a:ext cx="121700" cy="184666"/>
+                    <a:ext cx="127343" cy="184666"/>
                   </a:xfrm>
                   <a:prstGeom prst="rect">
                     <a:avLst/>
                   </a:prstGeom>
                   <a:blipFill>
-                    <a:blip r:embed="rId14"/>
+                    <a:blip r:embed="rId15"/>
                     <a:stretch>
-                      <a:fillRect l="-15000" t="-25806" r="-90000"/>
+                      <a:fillRect l="-14286" r="-14286"/>
                     </a:stretch>
                   </a:blipFill>
                 </p:spPr>
@@ -5863,7 +5889,7 @@
                 <p:spPr>
                   <a:xfrm>
                     <a:off x="2562210" y="4056747"/>
-                    <a:ext cx="124458" cy="184666"/>
+                    <a:ext cx="153567" cy="184666"/>
                   </a:xfrm>
                   <a:prstGeom prst="rect">
                     <a:avLst/>
@@ -5876,6 +5902,7 @@
                   </a:bodyPr>
                   <a:lstStyle/>
                   <a:p>
+                    <a:pPr/>
                     <a14:m>
                       <m:oMathPara xmlns:m="http://schemas.openxmlformats.org/officeDocument/2006/math">
                         <m:oMathParaPr>
@@ -5896,7 +5923,7 @@
                                 <a:rPr lang="fr-FR" sz="1200" b="0" i="1" smtClean="0">
                                   <a:latin typeface="Cambria Math" panose="02040503050406030204" pitchFamily="18" charset="0"/>
                                 </a:rPr>
-                                <m:t>𝑦</m:t>
+                                <m:t>𝑤</m:t>
                               </m:r>
                             </m:e>
                           </m:acc>
@@ -5926,15 +5953,15 @@
                 <p:spPr>
                   <a:xfrm>
                     <a:off x="2562210" y="4056747"/>
-                    <a:ext cx="124458" cy="184666"/>
+                    <a:ext cx="153567" cy="184666"/>
                   </a:xfrm>
                   <a:prstGeom prst="rect">
                     <a:avLst/>
                   </a:prstGeom>
                   <a:blipFill>
-                    <a:blip r:embed="rId9"/>
+                    <a:blip r:embed="rId16"/>
                     <a:stretch>
-                      <a:fillRect l="-28571" t="-26667" r="-80952" b="-23333"/>
+                      <a:fillRect l="-12000" r="-12000"/>
                     </a:stretch>
                   </a:blipFill>
                 </p:spPr>
@@ -5970,7 +5997,7 @@
                 <p:spPr>
                   <a:xfrm>
                     <a:off x="2432714" y="4906861"/>
-                    <a:ext cx="111634" cy="184666"/>
+                    <a:ext cx="173766" cy="184666"/>
                   </a:xfrm>
                   <a:prstGeom prst="rect">
                     <a:avLst/>
@@ -5983,30 +6010,50 @@
                   </a:bodyPr>
                   <a:lstStyle/>
                   <a:p>
+                    <a:pPr/>
                     <a14:m>
                       <m:oMathPara xmlns:m="http://schemas.openxmlformats.org/officeDocument/2006/math">
                         <m:oMathParaPr>
                           <m:jc m:val="centerGroup"/>
                         </m:oMathParaPr>
                         <m:oMath xmlns:m="http://schemas.openxmlformats.org/officeDocument/2006/math">
-                          <m:acc>
-                            <m:accPr>
-                              <m:chr m:val="⃗"/>
+                          <m:sSub>
+                            <m:sSubPr>
                               <m:ctrlPr>
-                                <a:rPr lang="fr-FR" sz="1200" i="1" smtClean="0">
+                                <a:rPr lang="fr-FR" sz="1200" b="0" i="1" smtClean="0">
                                   <a:latin typeface="Cambria Math" panose="02040503050406030204" pitchFamily="18" charset="0"/>
                                 </a:rPr>
                               </m:ctrlPr>
-                            </m:accPr>
+                            </m:sSubPr>
                             <m:e>
+                              <m:acc>
+                                <m:accPr>
+                                  <m:chr m:val="⃗"/>
+                                  <m:ctrlPr>
+                                    <a:rPr lang="fr-FR" sz="1200" i="1" smtClean="0">
+                                      <a:latin typeface="Cambria Math" panose="02040503050406030204" pitchFamily="18" charset="0"/>
+                                    </a:rPr>
+                                  </m:ctrlPr>
+                                </m:accPr>
+                                <m:e>
+                                  <m:r>
+                                    <a:rPr lang="fr-FR" sz="1200" b="0" i="1" smtClean="0">
+                                      <a:latin typeface="Cambria Math" panose="02040503050406030204" pitchFamily="18" charset="0"/>
+                                    </a:rPr>
+                                    <m:t>𝑧</m:t>
+                                  </m:r>
+                                </m:e>
+                              </m:acc>
+                            </m:e>
+                            <m:sub>
                               <m:r>
                                 <a:rPr lang="fr-FR" sz="1200" b="0" i="1" smtClean="0">
                                   <a:latin typeface="Cambria Math" panose="02040503050406030204" pitchFamily="18" charset="0"/>
                                 </a:rPr>
-                                <m:t>𝑧</m:t>
+                                <m:t>1</m:t>
                               </m:r>
-                            </m:e>
-                          </m:acc>
+                            </m:sub>
+                          </m:sSub>
                         </m:oMath>
                       </m:oMathPara>
                     </a14:m>
@@ -6033,15 +6080,15 @@
                 <p:spPr>
                   <a:xfrm>
                     <a:off x="2432714" y="4906861"/>
-                    <a:ext cx="111634" cy="184666"/>
+                    <a:ext cx="173766" cy="184666"/>
                   </a:xfrm>
                   <a:prstGeom prst="rect">
                     <a:avLst/>
                   </a:prstGeom>
                   <a:blipFill>
-                    <a:blip r:embed="rId10"/>
+                    <a:blip r:embed="rId17"/>
                     <a:stretch>
-                      <a:fillRect l="-22222" t="-30000" r="-94444"/>
+                      <a:fillRect l="-14286" t="-30000" r="-60714" b="-13333"/>
                     </a:stretch>
                   </a:blipFill>
                 </p:spPr>
@@ -6077,7 +6124,7 @@
                 <p:spPr>
                   <a:xfrm>
                     <a:off x="3209651" y="4564924"/>
-                    <a:ext cx="127343" cy="184666"/>
+                    <a:ext cx="184089" cy="184666"/>
                   </a:xfrm>
                   <a:prstGeom prst="rect">
                     <a:avLst/>
@@ -6090,6 +6137,7 @@
                   </a:bodyPr>
                   <a:lstStyle/>
                   <a:p>
+                    <a:pPr/>
                     <a14:m>
                       <m:oMathPara xmlns:m="http://schemas.openxmlformats.org/officeDocument/2006/math">
                         <m:oMathParaPr>
@@ -6106,12 +6154,31 @@
                               </m:ctrlPr>
                             </m:accPr>
                             <m:e>
-                              <m:r>
-                                <a:rPr lang="fr-FR" sz="1200" b="0" i="1" smtClean="0">
-                                  <a:latin typeface="Cambria Math" panose="02040503050406030204" pitchFamily="18" charset="0"/>
-                                </a:rPr>
-                                <m:t>𝑢</m:t>
-                              </m:r>
+                              <m:sSub>
+                                <m:sSubPr>
+                                  <m:ctrlPr>
+                                    <a:rPr lang="fr-FR" sz="1200" b="0" i="1" smtClean="0">
+                                      <a:latin typeface="Cambria Math" panose="02040503050406030204" pitchFamily="18" charset="0"/>
+                                    </a:rPr>
+                                  </m:ctrlPr>
+                                </m:sSubPr>
+                                <m:e>
+                                  <m:r>
+                                    <a:rPr lang="fr-FR" sz="1200" b="0" i="1" smtClean="0">
+                                      <a:latin typeface="Cambria Math" panose="02040503050406030204" pitchFamily="18" charset="0"/>
+                                    </a:rPr>
+                                    <m:t>𝑥</m:t>
+                                  </m:r>
+                                </m:e>
+                                <m:sub>
+                                  <m:r>
+                                    <a:rPr lang="fr-FR" sz="1200" b="0" i="1" smtClean="0">
+                                      <a:latin typeface="Cambria Math" panose="02040503050406030204" pitchFamily="18" charset="0"/>
+                                    </a:rPr>
+                                    <m:t>1</m:t>
+                                  </m:r>
+                                </m:sub>
+                              </m:sSub>
                             </m:e>
                           </m:acc>
                         </m:oMath>
@@ -6140,15 +6207,15 @@
                 <p:spPr>
                   <a:xfrm>
                     <a:off x="3209651" y="4564924"/>
-                    <a:ext cx="127343" cy="184666"/>
+                    <a:ext cx="184089" cy="184666"/>
                   </a:xfrm>
                   <a:prstGeom prst="rect">
                     <a:avLst/>
                   </a:prstGeom>
                   <a:blipFill>
-                    <a:blip r:embed="rId15"/>
+                    <a:blip r:embed="rId18"/>
                     <a:stretch>
-                      <a:fillRect l="-14286" r="-14286"/>
+                      <a:fillRect l="-9677" b="-9677"/>
                     </a:stretch>
                   </a:blipFill>
                 </p:spPr>
@@ -6183,8 +6250,8 @@
                 </p:nvSpPr>
                 <p:spPr>
                   <a:xfrm>
-                    <a:off x="2164013" y="4123872"/>
-                    <a:ext cx="123111" cy="184666"/>
+                    <a:off x="2111887" y="4031899"/>
+                    <a:ext cx="185692" cy="184666"/>
                   </a:xfrm>
                   <a:prstGeom prst="rect">
                     <a:avLst/>
@@ -6197,6 +6264,7 @@
                   </a:bodyPr>
                   <a:lstStyle/>
                   <a:p>
+                    <a:pPr/>
                     <a14:m>
                       <m:oMathPara xmlns:m="http://schemas.openxmlformats.org/officeDocument/2006/math">
                         <m:oMathParaPr>
@@ -6213,12 +6281,31 @@
                               </m:ctrlPr>
                             </m:accPr>
                             <m:e>
-                              <m:r>
-                                <a:rPr lang="fr-FR" sz="1200" b="0" i="1" smtClean="0">
-                                  <a:latin typeface="Cambria Math" panose="02040503050406030204" pitchFamily="18" charset="0"/>
-                                </a:rPr>
-                                <m:t>𝑣</m:t>
-                              </m:r>
+                              <m:sSub>
+                                <m:sSubPr>
+                                  <m:ctrlPr>
+                                    <a:rPr lang="fr-FR" sz="1200" b="0" i="1" smtClean="0">
+                                      <a:latin typeface="Cambria Math" panose="02040503050406030204" pitchFamily="18" charset="0"/>
+                                    </a:rPr>
+                                  </m:ctrlPr>
+                                </m:sSubPr>
+                                <m:e>
+                                  <m:r>
+                                    <a:rPr lang="fr-FR" sz="1200" b="0" i="1" smtClean="0">
+                                      <a:latin typeface="Cambria Math" panose="02040503050406030204" pitchFamily="18" charset="0"/>
+                                    </a:rPr>
+                                    <m:t>𝑦</m:t>
+                                  </m:r>
+                                </m:e>
+                                <m:sub>
+                                  <m:r>
+                                    <a:rPr lang="fr-FR" sz="1200" b="0" i="1" smtClean="0">
+                                      <a:latin typeface="Cambria Math" panose="02040503050406030204" pitchFamily="18" charset="0"/>
+                                    </a:rPr>
+                                    <m:t>1</m:t>
+                                  </m:r>
+                                </m:sub>
+                              </m:sSub>
                             </m:e>
                           </m:acc>
                         </m:oMath>
@@ -6246,16 +6333,16 @@
                 </p:nvSpPr>
                 <p:spPr>
                   <a:xfrm>
-                    <a:off x="2164013" y="4123872"/>
-                    <a:ext cx="123111" cy="184666"/>
+                    <a:off x="2111887" y="4031899"/>
+                    <a:ext cx="185692" cy="184666"/>
                   </a:xfrm>
                   <a:prstGeom prst="rect">
                     <a:avLst/>
                   </a:prstGeom>
                   <a:blipFill>
-                    <a:blip r:embed="rId16"/>
+                    <a:blip r:embed="rId19"/>
                     <a:stretch>
-                      <a:fillRect l="-20000" t="-26667" r="-85000"/>
+                      <a:fillRect l="-19355" b="-23333"/>
                     </a:stretch>
                   </a:blipFill>
                 </p:spPr>
@@ -6292,7 +6379,7 @@
               <p:spPr>
                 <a:xfrm>
                   <a:off x="2877946" y="4489860"/>
-                  <a:ext cx="203582" cy="369332"/>
+                  <a:ext cx="319703" cy="369332"/>
                 </a:xfrm>
                 <a:prstGeom prst="rect">
                   <a:avLst/>
@@ -6305,6 +6392,7 @@
                 </a:bodyPr>
                 <a:lstStyle/>
                 <a:p>
+                  <a:pPr/>
                   <a14:m>
                     <m:oMathPara xmlns:m="http://schemas.openxmlformats.org/officeDocument/2006/math">
                       <m:oMathParaPr>
@@ -6312,13 +6400,10 @@
                       </m:oMathParaPr>
                       <m:oMath xmlns:m="http://schemas.openxmlformats.org/officeDocument/2006/math">
                         <m:r>
-                          <m:rPr>
-                            <m:sty m:val="p"/>
-                          </m:rPr>
-                          <a:rPr lang="el-GR" sz="1200" i="1">
+                          <a:rPr lang="fr-FR" sz="1200" b="0" i="1" smtClean="0">
                             <a:latin typeface="Cambria Math" panose="02040503050406030204" pitchFamily="18" charset="0"/>
                           </a:rPr>
-                          <m:t>Ψ</m:t>
+                          <m:t>𝛼</m:t>
                         </m:r>
                       </m:oMath>
                     </m:oMathPara>
@@ -6351,15 +6436,15 @@
               <p:spPr>
                 <a:xfrm>
                   <a:off x="2877946" y="4489860"/>
-                  <a:ext cx="203582" cy="369332"/>
+                  <a:ext cx="319703" cy="369332"/>
                 </a:xfrm>
                 <a:prstGeom prst="rect">
                   <a:avLst/>
                 </a:prstGeom>
                 <a:blipFill>
-                  <a:blip r:embed="rId13"/>
+                  <a:blip r:embed="rId20"/>
                   <a:stretch>
-                    <a:fillRect l="-6061" r="-9091"/>
+                    <a:fillRect/>
                   </a:stretch>
                 </a:blipFill>
               </p:spPr>

--- a/2023/MP_CCS_Exosquelette/images/Figures.pptx
+++ b/2023/MP_CCS_Exosquelette/images/Figures.pptx
@@ -6,6 +6,7 @@
   </p:sldMasterIdLst>
   <p:sldIdLst>
     <p:sldId id="256" r:id="rId2"/>
+    <p:sldId id="257" r:id="rId3"/>
   </p:sldIdLst>
   <p:sldSz cx="12192000" cy="6858000"/>
   <p:notesSz cx="6858000" cy="9144000"/>
@@ -270,7 +271,7 @@
           <a:p>
             <a:fld id="{97B40999-CE27-4A95-A886-0B05C22624DA}" type="datetimeFigureOut">
               <a:rPr lang="fr-FR" smtClean="0"/>
-              <a:t>16/09/2025</a:t>
+              <a:t>18/09/2025</a:t>
             </a:fld>
             <a:endParaRPr lang="fr-FR"/>
           </a:p>
@@ -468,7 +469,7 @@
           <a:p>
             <a:fld id="{97B40999-CE27-4A95-A886-0B05C22624DA}" type="datetimeFigureOut">
               <a:rPr lang="fr-FR" smtClean="0"/>
-              <a:t>16/09/2025</a:t>
+              <a:t>18/09/2025</a:t>
             </a:fld>
             <a:endParaRPr lang="fr-FR"/>
           </a:p>
@@ -676,7 +677,7 @@
           <a:p>
             <a:fld id="{97B40999-CE27-4A95-A886-0B05C22624DA}" type="datetimeFigureOut">
               <a:rPr lang="fr-FR" smtClean="0"/>
-              <a:t>16/09/2025</a:t>
+              <a:t>18/09/2025</a:t>
             </a:fld>
             <a:endParaRPr lang="fr-FR"/>
           </a:p>
@@ -874,7 +875,7 @@
           <a:p>
             <a:fld id="{97B40999-CE27-4A95-A886-0B05C22624DA}" type="datetimeFigureOut">
               <a:rPr lang="fr-FR" smtClean="0"/>
-              <a:t>16/09/2025</a:t>
+              <a:t>18/09/2025</a:t>
             </a:fld>
             <a:endParaRPr lang="fr-FR"/>
           </a:p>
@@ -1149,7 +1150,7 @@
           <a:p>
             <a:fld id="{97B40999-CE27-4A95-A886-0B05C22624DA}" type="datetimeFigureOut">
               <a:rPr lang="fr-FR" smtClean="0"/>
-              <a:t>16/09/2025</a:t>
+              <a:t>18/09/2025</a:t>
             </a:fld>
             <a:endParaRPr lang="fr-FR"/>
           </a:p>
@@ -1414,7 +1415,7 @@
           <a:p>
             <a:fld id="{97B40999-CE27-4A95-A886-0B05C22624DA}" type="datetimeFigureOut">
               <a:rPr lang="fr-FR" smtClean="0"/>
-              <a:t>16/09/2025</a:t>
+              <a:t>18/09/2025</a:t>
             </a:fld>
             <a:endParaRPr lang="fr-FR"/>
           </a:p>
@@ -1826,7 +1827,7 @@
           <a:p>
             <a:fld id="{97B40999-CE27-4A95-A886-0B05C22624DA}" type="datetimeFigureOut">
               <a:rPr lang="fr-FR" smtClean="0"/>
-              <a:t>16/09/2025</a:t>
+              <a:t>18/09/2025</a:t>
             </a:fld>
             <a:endParaRPr lang="fr-FR"/>
           </a:p>
@@ -1967,7 +1968,7 @@
           <a:p>
             <a:fld id="{97B40999-CE27-4A95-A886-0B05C22624DA}" type="datetimeFigureOut">
               <a:rPr lang="fr-FR" smtClean="0"/>
-              <a:t>16/09/2025</a:t>
+              <a:t>18/09/2025</a:t>
             </a:fld>
             <a:endParaRPr lang="fr-FR"/>
           </a:p>
@@ -2080,7 +2081,7 @@
           <a:p>
             <a:fld id="{97B40999-CE27-4A95-A886-0B05C22624DA}" type="datetimeFigureOut">
               <a:rPr lang="fr-FR" smtClean="0"/>
-              <a:t>16/09/2025</a:t>
+              <a:t>18/09/2025</a:t>
             </a:fld>
             <a:endParaRPr lang="fr-FR"/>
           </a:p>
@@ -2391,7 +2392,7 @@
           <a:p>
             <a:fld id="{97B40999-CE27-4A95-A886-0B05C22624DA}" type="datetimeFigureOut">
               <a:rPr lang="fr-FR" smtClean="0"/>
-              <a:t>16/09/2025</a:t>
+              <a:t>18/09/2025</a:t>
             </a:fld>
             <a:endParaRPr lang="fr-FR"/>
           </a:p>
@@ -2679,7 +2680,7 @@
           <a:p>
             <a:fld id="{97B40999-CE27-4A95-A886-0B05C22624DA}" type="datetimeFigureOut">
               <a:rPr lang="fr-FR" smtClean="0"/>
-              <a:t>16/09/2025</a:t>
+              <a:t>18/09/2025</a:t>
             </a:fld>
             <a:endParaRPr lang="fr-FR"/>
           </a:p>
@@ -2920,7 +2921,7 @@
           <a:p>
             <a:fld id="{97B40999-CE27-4A95-A886-0B05C22624DA}" type="datetimeFigureOut">
               <a:rPr lang="fr-FR" smtClean="0"/>
-              <a:t>16/09/2025</a:t>
+              <a:t>18/09/2025</a:t>
             </a:fld>
             <a:endParaRPr lang="fr-FR"/>
           </a:p>
@@ -4059,8 +4060,8 @@
               </p:sp>
             </mc:Fallback>
           </mc:AlternateContent>
-          <mc:AlternateContent xmlns:mc="http://schemas.openxmlformats.org/markup-compatibility/2006" xmlns:a14="http://schemas.microsoft.com/office/drawing/2010/main">
-            <mc:Choice Requires="a14">
+          <mc:AlternateContent xmlns:mc="http://schemas.openxmlformats.org/markup-compatibility/2006">
+            <mc:Choice xmlns:a14="http://schemas.microsoft.com/office/drawing/2010/main" Requires="a14">
               <p:sp>
                 <p:nvSpPr>
                   <p:cNvPr id="20" name="ZoneTexte 19">
@@ -4122,7 +4123,7 @@
                 </p:txBody>
               </p:sp>
             </mc:Choice>
-            <mc:Fallback xmlns="">
+            <mc:Fallback>
               <p:sp>
                 <p:nvSpPr>
                   <p:cNvPr id="20" name="ZoneTexte 19">
@@ -4167,8 +4168,8 @@
               </p:sp>
             </mc:Fallback>
           </mc:AlternateContent>
-          <mc:AlternateContent xmlns:mc="http://schemas.openxmlformats.org/markup-compatibility/2006" xmlns:a14="http://schemas.microsoft.com/office/drawing/2010/main">
-            <mc:Choice Requires="a14">
+          <mc:AlternateContent xmlns:mc="http://schemas.openxmlformats.org/markup-compatibility/2006">
+            <mc:Choice xmlns:a14="http://schemas.microsoft.com/office/drawing/2010/main" Requires="a14">
               <p:sp>
                 <p:nvSpPr>
                   <p:cNvPr id="21" name="ZoneTexte 20">
@@ -4184,7 +4185,7 @@
                 <p:spPr>
                   <a:xfrm>
                     <a:off x="2164013" y="4123872"/>
-                    <a:ext cx="123111" cy="184666"/>
+                    <a:ext cx="185692" cy="184666"/>
                   </a:xfrm>
                   <a:prstGeom prst="rect">
                     <a:avLst/>
@@ -4214,12 +4215,31 @@
                               </m:ctrlPr>
                             </m:accPr>
                             <m:e>
-                              <m:r>
-                                <a:rPr lang="fr-FR" sz="1200" b="0" i="1" smtClean="0">
-                                  <a:latin typeface="Cambria Math" panose="02040503050406030204" pitchFamily="18" charset="0"/>
-                                </a:rPr>
-                                <m:t>𝑣</m:t>
-                              </m:r>
+                              <m:sSub>
+                                <m:sSubPr>
+                                  <m:ctrlPr>
+                                    <a:rPr lang="fr-FR" sz="1200" b="0" i="1" smtClean="0">
+                                      <a:latin typeface="Cambria Math" panose="02040503050406030204" pitchFamily="18" charset="0"/>
+                                    </a:rPr>
+                                  </m:ctrlPr>
+                                </m:sSubPr>
+                                <m:e>
+                                  <m:r>
+                                    <a:rPr lang="fr-FR" sz="1200" b="0" i="1" smtClean="0">
+                                      <a:latin typeface="Cambria Math" panose="02040503050406030204" pitchFamily="18" charset="0"/>
+                                    </a:rPr>
+                                    <m:t>𝑣</m:t>
+                                  </m:r>
+                                </m:e>
+                                <m:sub>
+                                  <m:r>
+                                    <a:rPr lang="fr-FR" sz="1200" b="0" i="1" smtClean="0">
+                                      <a:latin typeface="Cambria Math" panose="02040503050406030204" pitchFamily="18" charset="0"/>
+                                    </a:rPr>
+                                    <m:t>1</m:t>
+                                  </m:r>
+                                </m:sub>
+                              </m:sSub>
                             </m:e>
                           </m:acc>
                         </m:oMath>
@@ -4230,7 +4250,7 @@
                 </p:txBody>
               </p:sp>
             </mc:Choice>
-            <mc:Fallback xmlns="">
+            <mc:Fallback>
               <p:sp>
                 <p:nvSpPr>
                   <p:cNvPr id="21" name="ZoneTexte 20">
@@ -4248,7 +4268,7 @@
                 <p:spPr>
                   <a:xfrm>
                     <a:off x="2164013" y="4123872"/>
-                    <a:ext cx="123111" cy="184666"/>
+                    <a:ext cx="185692" cy="184666"/>
                   </a:xfrm>
                   <a:prstGeom prst="rect">
                     <a:avLst/>
@@ -4256,7 +4276,7 @@
                   <a:blipFill>
                     <a:blip r:embed="rId7"/>
                     <a:stretch>
-                      <a:fillRect l="-20000" t="-25806" r="-85000"/>
+                      <a:fillRect l="-13333" r="-6667" b="-9677"/>
                     </a:stretch>
                   </a:blipFill>
                 </p:spPr>
@@ -4293,7 +4313,7 @@
               <p:spPr>
                 <a:xfrm>
                   <a:off x="2877946" y="4489860"/>
-                  <a:ext cx="264816" cy="369332"/>
+                  <a:ext cx="257891" cy="369332"/>
                 </a:xfrm>
                 <a:prstGeom prst="rect">
                   <a:avLst/>
@@ -4313,12 +4333,31 @@
                         <m:jc m:val="centerGroup"/>
                       </m:oMathParaPr>
                       <m:oMath xmlns:m="http://schemas.openxmlformats.org/officeDocument/2006/math">
-                        <m:r>
-                          <a:rPr lang="fr-FR" sz="1200" b="0" i="1" smtClean="0">
-                            <a:latin typeface="Cambria Math" panose="02040503050406030204" pitchFamily="18" charset="0"/>
-                          </a:rPr>
-                          <m:t>𝜓</m:t>
-                        </m:r>
+                        <m:sSub>
+                          <m:sSubPr>
+                            <m:ctrlPr>
+                              <a:rPr lang="fr-FR" sz="1200" b="0" i="1" smtClean="0">
+                                <a:latin typeface="Cambria Math" panose="02040503050406030204" pitchFamily="18" charset="0"/>
+                              </a:rPr>
+                            </m:ctrlPr>
+                          </m:sSubPr>
+                          <m:e>
+                            <m:r>
+                              <a:rPr lang="fr-FR" sz="1200" b="0" i="1" smtClean="0">
+                                <a:latin typeface="Cambria Math" panose="02040503050406030204" pitchFamily="18" charset="0"/>
+                              </a:rPr>
+                              <m:t>𝜓</m:t>
+                            </m:r>
+                          </m:e>
+                          <m:sub>
+                            <m:r>
+                              <a:rPr lang="fr-FR" sz="1200" b="0" i="1" smtClean="0">
+                                <a:latin typeface="Cambria Math" panose="02040503050406030204" pitchFamily="18" charset="0"/>
+                              </a:rPr>
+                              <m:t>1</m:t>
+                            </m:r>
+                          </m:sub>
+                        </m:sSub>
                       </m:oMath>
                     </m:oMathPara>
                   </a14:m>
@@ -4350,7 +4389,7 @@
               <p:spPr>
                 <a:xfrm>
                   <a:off x="2877946" y="4489860"/>
-                  <a:ext cx="264816" cy="369332"/>
+                  <a:ext cx="257891" cy="369332"/>
                 </a:xfrm>
                 <a:prstGeom prst="rect">
                   <a:avLst/>
@@ -4358,7 +4397,7 @@
                 <a:blipFill>
                   <a:blip r:embed="rId8"/>
                   <a:stretch>
-                    <a:fillRect t="-1667"/>
+                    <a:fillRect l="-11905" t="-1667"/>
                   </a:stretch>
                 </a:blipFill>
               </p:spPr>
@@ -4740,8 +4779,8 @@
               </a:p>
             </p:txBody>
           </p:sp>
-          <mc:AlternateContent xmlns:mc="http://schemas.openxmlformats.org/markup-compatibility/2006">
-            <mc:Choice xmlns:a14="http://schemas.microsoft.com/office/drawing/2010/main" Requires="a14">
+          <mc:AlternateContent xmlns:mc="http://schemas.openxmlformats.org/markup-compatibility/2006" xmlns:a14="http://schemas.microsoft.com/office/drawing/2010/main">
+            <mc:Choice Requires="a14">
               <p:sp>
                 <p:nvSpPr>
                   <p:cNvPr id="48" name="ZoneTexte 47">
@@ -4803,7 +4842,7 @@
                 </p:txBody>
               </p:sp>
             </mc:Choice>
-            <mc:Fallback>
+            <mc:Fallback xmlns="">
               <p:sp>
                 <p:nvSpPr>
                   <p:cNvPr id="48" name="ZoneTexte 47">
@@ -4848,8 +4887,8 @@
               </p:sp>
             </mc:Fallback>
           </mc:AlternateContent>
-          <mc:AlternateContent xmlns:mc="http://schemas.openxmlformats.org/markup-compatibility/2006">
-            <mc:Choice xmlns:a14="http://schemas.microsoft.com/office/drawing/2010/main" Requires="a14">
+          <mc:AlternateContent xmlns:mc="http://schemas.openxmlformats.org/markup-compatibility/2006" xmlns:a14="http://schemas.microsoft.com/office/drawing/2010/main">
+            <mc:Choice Requires="a14">
               <p:sp>
                 <p:nvSpPr>
                   <p:cNvPr id="49" name="ZoneTexte 48">
@@ -4911,7 +4950,7 @@
                 </p:txBody>
               </p:sp>
             </mc:Choice>
-            <mc:Fallback>
+            <mc:Fallback xmlns="">
               <p:sp>
                 <p:nvSpPr>
                   <p:cNvPr id="49" name="ZoneTexte 48">
@@ -4956,8 +4995,8 @@
               </p:sp>
             </mc:Fallback>
           </mc:AlternateContent>
-          <mc:AlternateContent xmlns:mc="http://schemas.openxmlformats.org/markup-compatibility/2006">
-            <mc:Choice xmlns:a14="http://schemas.microsoft.com/office/drawing/2010/main" Requires="a14">
+          <mc:AlternateContent xmlns:mc="http://schemas.openxmlformats.org/markup-compatibility/2006" xmlns:a14="http://schemas.microsoft.com/office/drawing/2010/main">
+            <mc:Choice Requires="a14">
               <p:sp>
                 <p:nvSpPr>
                   <p:cNvPr id="50" name="ZoneTexte 49">
@@ -5019,7 +5058,7 @@
                 </p:txBody>
               </p:sp>
             </mc:Choice>
-            <mc:Fallback>
+            <mc:Fallback xmlns="">
               <p:sp>
                 <p:nvSpPr>
                   <p:cNvPr id="50" name="ZoneTexte 49">
@@ -5064,8 +5103,8 @@
               </p:sp>
             </mc:Fallback>
           </mc:AlternateContent>
-          <mc:AlternateContent xmlns:mc="http://schemas.openxmlformats.org/markup-compatibility/2006">
-            <mc:Choice xmlns:a14="http://schemas.microsoft.com/office/drawing/2010/main" Requires="a14">
+          <mc:AlternateContent xmlns:mc="http://schemas.openxmlformats.org/markup-compatibility/2006" xmlns:a14="http://schemas.microsoft.com/office/drawing/2010/main">
+            <mc:Choice Requires="a14">
               <p:sp>
                 <p:nvSpPr>
                   <p:cNvPr id="51" name="ZoneTexte 50">
@@ -5127,7 +5166,7 @@
                 </p:txBody>
               </p:sp>
             </mc:Choice>
-            <mc:Fallback>
+            <mc:Fallback xmlns="">
               <p:sp>
                 <p:nvSpPr>
                   <p:cNvPr id="51" name="ZoneTexte 50">
@@ -5172,8 +5211,8 @@
               </p:sp>
             </mc:Fallback>
           </mc:AlternateContent>
-          <mc:AlternateContent xmlns:mc="http://schemas.openxmlformats.org/markup-compatibility/2006">
-            <mc:Choice xmlns:a14="http://schemas.microsoft.com/office/drawing/2010/main" Requires="a14">
+          <mc:AlternateContent xmlns:mc="http://schemas.openxmlformats.org/markup-compatibility/2006" xmlns:a14="http://schemas.microsoft.com/office/drawing/2010/main">
+            <mc:Choice Requires="a14">
               <p:sp>
                 <p:nvSpPr>
                   <p:cNvPr id="52" name="ZoneTexte 51">
@@ -5254,7 +5293,7 @@
                 </p:txBody>
               </p:sp>
             </mc:Choice>
-            <mc:Fallback>
+            <mc:Fallback xmlns="">
               <p:sp>
                 <p:nvSpPr>
                   <p:cNvPr id="52" name="ZoneTexte 51">
@@ -5317,7 +5356,7 @@
               <p:spPr>
                 <a:xfrm>
                   <a:off x="2877946" y="4489860"/>
-                  <a:ext cx="304379" cy="369332"/>
+                  <a:ext cx="250390" cy="369332"/>
                 </a:xfrm>
                 <a:prstGeom prst="rect">
                   <a:avLst/>
@@ -5337,12 +5376,31 @@
                         <m:jc m:val="centerGroup"/>
                       </m:oMathParaPr>
                       <m:oMath xmlns:m="http://schemas.openxmlformats.org/officeDocument/2006/math">
-                        <m:r>
-                          <a:rPr lang="fr-FR" sz="1200" b="0" i="1" smtClean="0">
-                            <a:latin typeface="Cambria Math" panose="02040503050406030204" pitchFamily="18" charset="0"/>
-                          </a:rPr>
-                          <m:t>𝜃</m:t>
-                        </m:r>
+                        <m:sSub>
+                          <m:sSubPr>
+                            <m:ctrlPr>
+                              <a:rPr lang="fr-FR" sz="1200" b="0" i="1" smtClean="0">
+                                <a:latin typeface="Cambria Math" panose="02040503050406030204" pitchFamily="18" charset="0"/>
+                              </a:rPr>
+                            </m:ctrlPr>
+                          </m:sSubPr>
+                          <m:e>
+                            <m:r>
+                              <a:rPr lang="fr-FR" sz="1200" b="0" i="1" smtClean="0">
+                                <a:latin typeface="Cambria Math" panose="02040503050406030204" pitchFamily="18" charset="0"/>
+                              </a:rPr>
+                              <m:t>𝜃</m:t>
+                            </m:r>
+                          </m:e>
+                          <m:sub>
+                            <m:r>
+                              <a:rPr lang="fr-FR" sz="1200" b="0" i="1" smtClean="0">
+                                <a:latin typeface="Cambria Math" panose="02040503050406030204" pitchFamily="18" charset="0"/>
+                              </a:rPr>
+                              <m:t>1</m:t>
+                            </m:r>
+                          </m:sub>
+                        </m:sSub>
                       </m:oMath>
                     </m:oMathPara>
                   </a14:m>
@@ -5374,7 +5432,7 @@
               <p:spPr>
                 <a:xfrm>
                   <a:off x="2877946" y="4489860"/>
-                  <a:ext cx="304379" cy="369332"/>
+                  <a:ext cx="250390" cy="369332"/>
                 </a:xfrm>
                 <a:prstGeom prst="rect">
                   <a:avLst/>
@@ -5382,7 +5440,7 @@
                 <a:blipFill>
                   <a:blip r:embed="rId14"/>
                   <a:stretch>
-                    <a:fillRect/>
+                    <a:fillRect l="-2439"/>
                   </a:stretch>
                 </a:blipFill>
               </p:spPr>
@@ -5764,8 +5822,8 @@
               </a:p>
             </p:txBody>
           </p:sp>
-          <mc:AlternateContent xmlns:mc="http://schemas.openxmlformats.org/markup-compatibility/2006">
-            <mc:Choice xmlns:a14="http://schemas.microsoft.com/office/drawing/2010/main" Requires="a14">
+          <mc:AlternateContent xmlns:mc="http://schemas.openxmlformats.org/markup-compatibility/2006" xmlns:a14="http://schemas.microsoft.com/office/drawing/2010/main">
+            <mc:Choice Requires="a14">
               <p:sp>
                 <p:nvSpPr>
                   <p:cNvPr id="64" name="ZoneTexte 63">
@@ -5827,7 +5885,7 @@
                 </p:txBody>
               </p:sp>
             </mc:Choice>
-            <mc:Fallback>
+            <mc:Fallback xmlns="">
               <p:sp>
                 <p:nvSpPr>
                   <p:cNvPr id="64" name="ZoneTexte 63">
@@ -5872,8 +5930,8 @@
               </p:sp>
             </mc:Fallback>
           </mc:AlternateContent>
-          <mc:AlternateContent xmlns:mc="http://schemas.openxmlformats.org/markup-compatibility/2006">
-            <mc:Choice xmlns:a14="http://schemas.microsoft.com/office/drawing/2010/main" Requires="a14">
+          <mc:AlternateContent xmlns:mc="http://schemas.openxmlformats.org/markup-compatibility/2006" xmlns:a14="http://schemas.microsoft.com/office/drawing/2010/main">
+            <mc:Choice Requires="a14">
               <p:sp>
                 <p:nvSpPr>
                   <p:cNvPr id="65" name="ZoneTexte 64">
@@ -5935,7 +5993,7 @@
                 </p:txBody>
               </p:sp>
             </mc:Choice>
-            <mc:Fallback>
+            <mc:Fallback xmlns="">
               <p:sp>
                 <p:nvSpPr>
                   <p:cNvPr id="65" name="ZoneTexte 64">
@@ -5980,8 +6038,8 @@
               </p:sp>
             </mc:Fallback>
           </mc:AlternateContent>
-          <mc:AlternateContent xmlns:mc="http://schemas.openxmlformats.org/markup-compatibility/2006">
-            <mc:Choice xmlns:a14="http://schemas.microsoft.com/office/drawing/2010/main" Requires="a14">
+          <mc:AlternateContent xmlns:mc="http://schemas.openxmlformats.org/markup-compatibility/2006" xmlns:a14="http://schemas.microsoft.com/office/drawing/2010/main">
+            <mc:Choice Requires="a14">
               <p:sp>
                 <p:nvSpPr>
                   <p:cNvPr id="66" name="ZoneTexte 65">
@@ -6062,7 +6120,7 @@
                 </p:txBody>
               </p:sp>
             </mc:Choice>
-            <mc:Fallback>
+            <mc:Fallback xmlns="">
               <p:sp>
                 <p:nvSpPr>
                   <p:cNvPr id="66" name="ZoneTexte 65">
@@ -6107,8 +6165,8 @@
               </p:sp>
             </mc:Fallback>
           </mc:AlternateContent>
-          <mc:AlternateContent xmlns:mc="http://schemas.openxmlformats.org/markup-compatibility/2006">
-            <mc:Choice xmlns:a14="http://schemas.microsoft.com/office/drawing/2010/main" Requires="a14">
+          <mc:AlternateContent xmlns:mc="http://schemas.openxmlformats.org/markup-compatibility/2006" xmlns:a14="http://schemas.microsoft.com/office/drawing/2010/main">
+            <mc:Choice Requires="a14">
               <p:sp>
                 <p:nvSpPr>
                   <p:cNvPr id="67" name="ZoneTexte 66">
@@ -6189,7 +6247,7 @@
                 </p:txBody>
               </p:sp>
             </mc:Choice>
-            <mc:Fallback>
+            <mc:Fallback xmlns="">
               <p:sp>
                 <p:nvSpPr>
                   <p:cNvPr id="67" name="ZoneTexte 66">
@@ -6234,8 +6292,8 @@
               </p:sp>
             </mc:Fallback>
           </mc:AlternateContent>
-          <mc:AlternateContent xmlns:mc="http://schemas.openxmlformats.org/markup-compatibility/2006">
-            <mc:Choice xmlns:a14="http://schemas.microsoft.com/office/drawing/2010/main" Requires="a14">
+          <mc:AlternateContent xmlns:mc="http://schemas.openxmlformats.org/markup-compatibility/2006" xmlns:a14="http://schemas.microsoft.com/office/drawing/2010/main">
+            <mc:Choice Requires="a14">
               <p:sp>
                 <p:nvSpPr>
                   <p:cNvPr id="68" name="ZoneTexte 67">
@@ -6316,7 +6374,7 @@
                 </p:txBody>
               </p:sp>
             </mc:Choice>
-            <mc:Fallback>
+            <mc:Fallback xmlns="">
               <p:sp>
                 <p:nvSpPr>
                   <p:cNvPr id="68" name="ZoneTexte 67">
@@ -6379,7 +6437,7 @@
               <p:spPr>
                 <a:xfrm>
                   <a:off x="2877946" y="4489860"/>
-                  <a:ext cx="319703" cy="369332"/>
+                  <a:ext cx="261097" cy="369332"/>
                 </a:xfrm>
                 <a:prstGeom prst="rect">
                   <a:avLst/>
@@ -6399,12 +6457,31 @@
                         <m:jc m:val="centerGroup"/>
                       </m:oMathParaPr>
                       <m:oMath xmlns:m="http://schemas.openxmlformats.org/officeDocument/2006/math">
-                        <m:r>
-                          <a:rPr lang="fr-FR" sz="1200" b="0" i="1" smtClean="0">
-                            <a:latin typeface="Cambria Math" panose="02040503050406030204" pitchFamily="18" charset="0"/>
-                          </a:rPr>
-                          <m:t>𝛼</m:t>
-                        </m:r>
+                        <m:sSub>
+                          <m:sSubPr>
+                            <m:ctrlPr>
+                              <a:rPr lang="fr-FR" sz="1200" b="0" i="1" smtClean="0">
+                                <a:latin typeface="Cambria Math" panose="02040503050406030204" pitchFamily="18" charset="0"/>
+                              </a:rPr>
+                            </m:ctrlPr>
+                          </m:sSubPr>
+                          <m:e>
+                            <m:r>
+                              <a:rPr lang="fr-FR" sz="1200" b="0" i="1" smtClean="0">
+                                <a:latin typeface="Cambria Math" panose="02040503050406030204" pitchFamily="18" charset="0"/>
+                              </a:rPr>
+                              <m:t>𝛼</m:t>
+                            </m:r>
+                          </m:e>
+                          <m:sub>
+                            <m:r>
+                              <a:rPr lang="fr-FR" sz="1200" b="0" i="1" smtClean="0">
+                                <a:latin typeface="Cambria Math" panose="02040503050406030204" pitchFamily="18" charset="0"/>
+                              </a:rPr>
+                              <m:t>1</m:t>
+                            </m:r>
+                          </m:sub>
+                        </m:sSub>
                       </m:oMath>
                     </m:oMathPara>
                   </a14:m>
@@ -6436,7 +6513,7 @@
               <p:spPr>
                 <a:xfrm>
                   <a:off x="2877946" y="4489860"/>
-                  <a:ext cx="319703" cy="369332"/>
+                  <a:ext cx="261097" cy="369332"/>
                 </a:xfrm>
                 <a:prstGeom prst="rect">
                   <a:avLst/>
@@ -6468,6 +6545,1345 @@
     <p:extLst>
       <p:ext uri="{BB962C8B-B14F-4D97-AF65-F5344CB8AC3E}">
         <p14:creationId xmlns:p14="http://schemas.microsoft.com/office/powerpoint/2010/main" val="3839121926"/>
+      </p:ext>
+    </p:extLst>
+  </p:cSld>
+  <p:clrMapOvr>
+    <a:masterClrMapping/>
+  </p:clrMapOvr>
+</p:sld>
+</file>
+
+<file path=ppt/slides/slide2.xml><?xml version="1.0" encoding="utf-8"?>
+<p:sld xmlns:a="http://schemas.openxmlformats.org/drawingml/2006/main" xmlns:r="http://schemas.openxmlformats.org/officeDocument/2006/relationships" xmlns:p="http://schemas.openxmlformats.org/presentationml/2006/main">
+  <p:cSld>
+    <p:spTree>
+      <p:nvGrpSpPr>
+        <p:cNvPr id="1" name="">
+          <a:extLst>
+            <a:ext uri="{FF2B5EF4-FFF2-40B4-BE49-F238E27FC236}">
+              <a16:creationId xmlns:a16="http://schemas.microsoft.com/office/drawing/2014/main" id="{6638F4D1-4A57-58CA-8303-567F3D617AB0}"/>
+            </a:ext>
+          </a:extLst>
+        </p:cNvPr>
+        <p:cNvGrpSpPr/>
+        <p:nvPr/>
+      </p:nvGrpSpPr>
+      <p:grpSpPr>
+        <a:xfrm>
+          <a:off x="0" y="0"/>
+          <a:ext cx="0" cy="0"/>
+          <a:chOff x="0" y="0"/>
+          <a:chExt cx="0" cy="0"/>
+        </a:xfrm>
+      </p:grpSpPr>
+      <p:pic>
+        <p:nvPicPr>
+          <p:cNvPr id="5" name="Image 4">
+            <a:extLst>
+              <a:ext uri="{FF2B5EF4-FFF2-40B4-BE49-F238E27FC236}">
+                <a16:creationId xmlns:a16="http://schemas.microsoft.com/office/drawing/2014/main" id="{2030FE0D-03F6-45AE-17C3-A14765E02F72}"/>
+              </a:ext>
+            </a:extLst>
+          </p:cNvPr>
+          <p:cNvPicPr>
+            <a:picLocks noChangeAspect="1"/>
+          </p:cNvPicPr>
+          <p:nvPr/>
+        </p:nvPicPr>
+        <p:blipFill>
+          <a:blip r:embed="rId2">
+            <a:extLst>
+              <a:ext uri="{28A0092B-C50C-407E-A947-70E740481C1C}">
+                <a14:useLocalDpi xmlns:a14="http://schemas.microsoft.com/office/drawing/2010/main" val="0"/>
+              </a:ext>
+            </a:extLst>
+          </a:blip>
+          <a:stretch>
+            <a:fillRect/>
+          </a:stretch>
+        </p:blipFill>
+        <p:spPr>
+          <a:xfrm>
+            <a:off x="5956448" y="711977"/>
+            <a:ext cx="5371789" cy="4297432"/>
+          </a:xfrm>
+          <a:prstGeom prst="rect">
+            <a:avLst/>
+          </a:prstGeom>
+        </p:spPr>
+      </p:pic>
+      <p:sp>
+        <p:nvSpPr>
+          <p:cNvPr id="2" name="Ellipse 1">
+            <a:extLst>
+              <a:ext uri="{FF2B5EF4-FFF2-40B4-BE49-F238E27FC236}">
+                <a16:creationId xmlns:a16="http://schemas.microsoft.com/office/drawing/2014/main" id="{871C0038-D67F-E520-D9E2-001C2222272B}"/>
+              </a:ext>
+            </a:extLst>
+          </p:cNvPr>
+          <p:cNvSpPr/>
+          <p:nvPr/>
+        </p:nvSpPr>
+        <p:spPr>
+          <a:xfrm>
+            <a:off x="2711624" y="4685936"/>
+            <a:ext cx="360040" cy="360040"/>
+          </a:xfrm>
+          <a:prstGeom prst="ellipse">
+            <a:avLst/>
+          </a:prstGeom>
+          <a:solidFill>
+            <a:schemeClr val="bg1"/>
+          </a:solidFill>
+          <a:ln w="28575">
+            <a:solidFill>
+              <a:schemeClr val="accent1"/>
+            </a:solidFill>
+          </a:ln>
+        </p:spPr>
+        <p:style>
+          <a:lnRef idx="2">
+            <a:schemeClr val="accent1">
+              <a:shade val="15000"/>
+            </a:schemeClr>
+          </a:lnRef>
+          <a:fillRef idx="1">
+            <a:schemeClr val="accent1"/>
+          </a:fillRef>
+          <a:effectRef idx="0">
+            <a:schemeClr val="accent1"/>
+          </a:effectRef>
+          <a:fontRef idx="minor">
+            <a:schemeClr val="lt1"/>
+          </a:fontRef>
+        </p:style>
+        <p:txBody>
+          <a:bodyPr rtlCol="0" anchor="ctr"/>
+          <a:lstStyle/>
+          <a:p>
+            <a:pPr algn="ctr"/>
+            <a:r>
+              <a:rPr lang="fr-FR" b="1" dirty="0">
+                <a:solidFill>
+                  <a:schemeClr val="tx1"/>
+                </a:solidFill>
+              </a:rPr>
+              <a:t>0</a:t>
+            </a:r>
+          </a:p>
+        </p:txBody>
+      </p:sp>
+      <p:sp>
+        <p:nvSpPr>
+          <p:cNvPr id="3" name="Ellipse 2">
+            <a:extLst>
+              <a:ext uri="{FF2B5EF4-FFF2-40B4-BE49-F238E27FC236}">
+                <a16:creationId xmlns:a16="http://schemas.microsoft.com/office/drawing/2014/main" id="{C9EC6373-2F32-616A-13B7-98A44A8087EB}"/>
+              </a:ext>
+            </a:extLst>
+          </p:cNvPr>
+          <p:cNvSpPr/>
+          <p:nvPr/>
+        </p:nvSpPr>
+        <p:spPr>
+          <a:xfrm>
+            <a:off x="1563628" y="3248980"/>
+            <a:ext cx="432000" cy="432000"/>
+          </a:xfrm>
+          <a:prstGeom prst="ellipse">
+            <a:avLst/>
+          </a:prstGeom>
+          <a:solidFill>
+            <a:schemeClr val="bg1"/>
+          </a:solidFill>
+          <a:ln w="28575">
+            <a:solidFill>
+              <a:schemeClr val="accent1"/>
+            </a:solidFill>
+          </a:ln>
+        </p:spPr>
+        <p:style>
+          <a:lnRef idx="2">
+            <a:schemeClr val="accent1">
+              <a:shade val="15000"/>
+            </a:schemeClr>
+          </a:lnRef>
+          <a:fillRef idx="1">
+            <a:schemeClr val="accent1"/>
+          </a:fillRef>
+          <a:effectRef idx="0">
+            <a:schemeClr val="accent1"/>
+          </a:effectRef>
+          <a:fontRef idx="minor">
+            <a:schemeClr val="lt1"/>
+          </a:fontRef>
+        </p:style>
+        <p:txBody>
+          <a:bodyPr lIns="0" tIns="0" rIns="0" bIns="0" rtlCol="0" anchor="ctr"/>
+          <a:lstStyle/>
+          <a:p>
+            <a:pPr algn="ctr"/>
+            <a:r>
+              <a:rPr lang="fr-FR" b="1" dirty="0">
+                <a:solidFill>
+                  <a:schemeClr val="tx1"/>
+                </a:solidFill>
+              </a:rPr>
+              <a:t>C</a:t>
+            </a:r>
+            <a:r>
+              <a:rPr lang="fr-FR" b="1" baseline="-25000" dirty="0">
+                <a:solidFill>
+                  <a:schemeClr val="tx1"/>
+                </a:solidFill>
+              </a:rPr>
+              <a:t>1</a:t>
+            </a:r>
+          </a:p>
+        </p:txBody>
+      </p:sp>
+      <p:sp>
+        <p:nvSpPr>
+          <p:cNvPr id="7" name="Ellipse 6">
+            <a:extLst>
+              <a:ext uri="{FF2B5EF4-FFF2-40B4-BE49-F238E27FC236}">
+                <a16:creationId xmlns:a16="http://schemas.microsoft.com/office/drawing/2014/main" id="{F2F14DDB-D658-D7FA-378B-724470A75DAC}"/>
+              </a:ext>
+            </a:extLst>
+          </p:cNvPr>
+          <p:cNvSpPr/>
+          <p:nvPr/>
+        </p:nvSpPr>
+        <p:spPr>
+          <a:xfrm>
+            <a:off x="1559496" y="1736812"/>
+            <a:ext cx="432000" cy="432000"/>
+          </a:xfrm>
+          <a:prstGeom prst="ellipse">
+            <a:avLst/>
+          </a:prstGeom>
+          <a:solidFill>
+            <a:schemeClr val="bg1"/>
+          </a:solidFill>
+          <a:ln w="28575">
+            <a:solidFill>
+              <a:schemeClr val="accent1"/>
+            </a:solidFill>
+          </a:ln>
+        </p:spPr>
+        <p:style>
+          <a:lnRef idx="2">
+            <a:schemeClr val="accent1">
+              <a:shade val="15000"/>
+            </a:schemeClr>
+          </a:lnRef>
+          <a:fillRef idx="1">
+            <a:schemeClr val="accent1"/>
+          </a:fillRef>
+          <a:effectRef idx="0">
+            <a:schemeClr val="accent1"/>
+          </a:effectRef>
+          <a:fontRef idx="minor">
+            <a:schemeClr val="lt1"/>
+          </a:fontRef>
+        </p:style>
+        <p:txBody>
+          <a:bodyPr lIns="0" tIns="0" rIns="0" bIns="0" rtlCol="0" anchor="ctr"/>
+          <a:lstStyle/>
+          <a:p>
+            <a:pPr algn="ctr"/>
+            <a:r>
+              <a:rPr lang="fr-FR" b="1" dirty="0">
+                <a:solidFill>
+                  <a:schemeClr val="tx1"/>
+                </a:solidFill>
+              </a:rPr>
+              <a:t>T</a:t>
+            </a:r>
+            <a:r>
+              <a:rPr lang="fr-FR" b="1" baseline="-25000" dirty="0">
+                <a:solidFill>
+                  <a:schemeClr val="tx1"/>
+                </a:solidFill>
+              </a:rPr>
+              <a:t>1</a:t>
+            </a:r>
+          </a:p>
+        </p:txBody>
+      </p:sp>
+      <p:sp>
+        <p:nvSpPr>
+          <p:cNvPr id="10" name="Ellipse 9">
+            <a:extLst>
+              <a:ext uri="{FF2B5EF4-FFF2-40B4-BE49-F238E27FC236}">
+                <a16:creationId xmlns:a16="http://schemas.microsoft.com/office/drawing/2014/main" id="{0FFF0456-054D-D271-94AA-130AF44AC00F}"/>
+              </a:ext>
+            </a:extLst>
+          </p:cNvPr>
+          <p:cNvSpPr/>
+          <p:nvPr/>
+        </p:nvSpPr>
+        <p:spPr>
+          <a:xfrm>
+            <a:off x="3721450" y="3248980"/>
+            <a:ext cx="432000" cy="432000"/>
+          </a:xfrm>
+          <a:prstGeom prst="ellipse">
+            <a:avLst/>
+          </a:prstGeom>
+          <a:solidFill>
+            <a:schemeClr val="bg1"/>
+          </a:solidFill>
+          <a:ln w="28575">
+            <a:solidFill>
+              <a:schemeClr val="accent1"/>
+            </a:solidFill>
+          </a:ln>
+        </p:spPr>
+        <p:style>
+          <a:lnRef idx="2">
+            <a:schemeClr val="accent1">
+              <a:shade val="15000"/>
+            </a:schemeClr>
+          </a:lnRef>
+          <a:fillRef idx="1">
+            <a:schemeClr val="accent1"/>
+          </a:fillRef>
+          <a:effectRef idx="0">
+            <a:schemeClr val="accent1"/>
+          </a:effectRef>
+          <a:fontRef idx="minor">
+            <a:schemeClr val="lt1"/>
+          </a:fontRef>
+        </p:style>
+        <p:txBody>
+          <a:bodyPr lIns="0" tIns="0" rIns="0" bIns="0" rtlCol="0" anchor="ctr"/>
+          <a:lstStyle/>
+          <a:p>
+            <a:pPr algn="ctr"/>
+            <a:r>
+              <a:rPr lang="fr-FR" b="1" dirty="0">
+                <a:solidFill>
+                  <a:schemeClr val="tx1"/>
+                </a:solidFill>
+              </a:rPr>
+              <a:t>C</a:t>
+            </a:r>
+            <a:r>
+              <a:rPr lang="fr-FR" b="1" baseline="-25000" dirty="0">
+                <a:solidFill>
+                  <a:schemeClr val="tx1"/>
+                </a:solidFill>
+              </a:rPr>
+              <a:t>2</a:t>
+            </a:r>
+          </a:p>
+        </p:txBody>
+      </p:sp>
+      <p:sp>
+        <p:nvSpPr>
+          <p:cNvPr id="11" name="Ellipse 10">
+            <a:extLst>
+              <a:ext uri="{FF2B5EF4-FFF2-40B4-BE49-F238E27FC236}">
+                <a16:creationId xmlns:a16="http://schemas.microsoft.com/office/drawing/2014/main" id="{8F6CCD61-226D-0193-2908-BA0FA854C9AE}"/>
+              </a:ext>
+            </a:extLst>
+          </p:cNvPr>
+          <p:cNvSpPr/>
+          <p:nvPr/>
+        </p:nvSpPr>
+        <p:spPr>
+          <a:xfrm>
+            <a:off x="3717318" y="1736812"/>
+            <a:ext cx="432000" cy="432000"/>
+          </a:xfrm>
+          <a:prstGeom prst="ellipse">
+            <a:avLst/>
+          </a:prstGeom>
+          <a:solidFill>
+            <a:schemeClr val="bg1"/>
+          </a:solidFill>
+          <a:ln w="28575">
+            <a:solidFill>
+              <a:schemeClr val="accent1"/>
+            </a:solidFill>
+          </a:ln>
+        </p:spPr>
+        <p:style>
+          <a:lnRef idx="2">
+            <a:schemeClr val="accent1">
+              <a:shade val="15000"/>
+            </a:schemeClr>
+          </a:lnRef>
+          <a:fillRef idx="1">
+            <a:schemeClr val="accent1"/>
+          </a:fillRef>
+          <a:effectRef idx="0">
+            <a:schemeClr val="accent1"/>
+          </a:effectRef>
+          <a:fontRef idx="minor">
+            <a:schemeClr val="lt1"/>
+          </a:fontRef>
+        </p:style>
+        <p:txBody>
+          <a:bodyPr lIns="0" tIns="0" rIns="0" bIns="0" rtlCol="0" anchor="ctr"/>
+          <a:lstStyle/>
+          <a:p>
+            <a:pPr algn="ctr"/>
+            <a:r>
+              <a:rPr lang="fr-FR" b="1" dirty="0">
+                <a:solidFill>
+                  <a:schemeClr val="tx1"/>
+                </a:solidFill>
+              </a:rPr>
+              <a:t>T</a:t>
+            </a:r>
+            <a:r>
+              <a:rPr lang="fr-FR" b="1" baseline="-25000" dirty="0">
+                <a:solidFill>
+                  <a:schemeClr val="tx1"/>
+                </a:solidFill>
+              </a:rPr>
+              <a:t>2</a:t>
+            </a:r>
+          </a:p>
+        </p:txBody>
+      </p:sp>
+      <p:sp>
+        <p:nvSpPr>
+          <p:cNvPr id="22" name="Ellipse 21">
+            <a:extLst>
+              <a:ext uri="{FF2B5EF4-FFF2-40B4-BE49-F238E27FC236}">
+                <a16:creationId xmlns:a16="http://schemas.microsoft.com/office/drawing/2014/main" id="{B72C365B-8231-3B93-FAEC-F239F3CDAEC8}"/>
+              </a:ext>
+            </a:extLst>
+          </p:cNvPr>
+          <p:cNvSpPr/>
+          <p:nvPr/>
+        </p:nvSpPr>
+        <p:spPr>
+          <a:xfrm>
+            <a:off x="2711624" y="404664"/>
+            <a:ext cx="360040" cy="360040"/>
+          </a:xfrm>
+          <a:prstGeom prst="ellipse">
+            <a:avLst/>
+          </a:prstGeom>
+          <a:solidFill>
+            <a:schemeClr val="bg1"/>
+          </a:solidFill>
+          <a:ln w="28575">
+            <a:solidFill>
+              <a:schemeClr val="accent1"/>
+            </a:solidFill>
+          </a:ln>
+        </p:spPr>
+        <p:style>
+          <a:lnRef idx="2">
+            <a:schemeClr val="accent1">
+              <a:shade val="15000"/>
+            </a:schemeClr>
+          </a:lnRef>
+          <a:fillRef idx="1">
+            <a:schemeClr val="accent1"/>
+          </a:fillRef>
+          <a:effectRef idx="0">
+            <a:schemeClr val="accent1"/>
+          </a:effectRef>
+          <a:fontRef idx="minor">
+            <a:schemeClr val="lt1"/>
+          </a:fontRef>
+        </p:style>
+        <p:txBody>
+          <a:bodyPr rtlCol="0" anchor="ctr"/>
+          <a:lstStyle/>
+          <a:p>
+            <a:pPr algn="ctr"/>
+            <a:r>
+              <a:rPr lang="fr-FR" b="1" dirty="0">
+                <a:solidFill>
+                  <a:schemeClr val="tx1"/>
+                </a:solidFill>
+              </a:rPr>
+              <a:t>3</a:t>
+            </a:r>
+          </a:p>
+        </p:txBody>
+      </p:sp>
+      <p:cxnSp>
+        <p:nvCxnSpPr>
+          <p:cNvPr id="25" name="Connecteur droit 24">
+            <a:extLst>
+              <a:ext uri="{FF2B5EF4-FFF2-40B4-BE49-F238E27FC236}">
+                <a16:creationId xmlns:a16="http://schemas.microsoft.com/office/drawing/2014/main" id="{463AA4CA-58AA-A80A-94AF-E4AF2A4729A1}"/>
+              </a:ext>
+            </a:extLst>
+          </p:cNvPr>
+          <p:cNvCxnSpPr>
+            <a:cxnSpLocks/>
+            <a:stCxn id="3" idx="5"/>
+            <a:endCxn id="2" idx="1"/>
+          </p:cNvCxnSpPr>
+          <p:nvPr/>
+        </p:nvCxnSpPr>
+        <p:spPr>
+          <a:xfrm>
+            <a:off x="1932363" y="3617715"/>
+            <a:ext cx="831988" cy="1120948"/>
+          </a:xfrm>
+          <a:prstGeom prst="line">
+            <a:avLst/>
+          </a:prstGeom>
+          <a:solidFill>
+            <a:schemeClr val="bg1"/>
+          </a:solidFill>
+          <a:ln w="28575">
+            <a:solidFill>
+              <a:schemeClr val="accent1"/>
+            </a:solidFill>
+          </a:ln>
+        </p:spPr>
+        <p:style>
+          <a:lnRef idx="2">
+            <a:schemeClr val="accent1">
+              <a:shade val="15000"/>
+            </a:schemeClr>
+          </a:lnRef>
+          <a:fillRef idx="1">
+            <a:schemeClr val="accent1"/>
+          </a:fillRef>
+          <a:effectRef idx="0">
+            <a:schemeClr val="accent1"/>
+          </a:effectRef>
+          <a:fontRef idx="minor">
+            <a:schemeClr val="lt1"/>
+          </a:fontRef>
+        </p:style>
+      </p:cxnSp>
+      <p:cxnSp>
+        <p:nvCxnSpPr>
+          <p:cNvPr id="27" name="Connecteur droit 26">
+            <a:extLst>
+              <a:ext uri="{FF2B5EF4-FFF2-40B4-BE49-F238E27FC236}">
+                <a16:creationId xmlns:a16="http://schemas.microsoft.com/office/drawing/2014/main" id="{57CA6CB0-9F92-4FF5-3C34-555D33799259}"/>
+              </a:ext>
+            </a:extLst>
+          </p:cNvPr>
+          <p:cNvCxnSpPr>
+            <a:cxnSpLocks/>
+            <a:stCxn id="7" idx="4"/>
+            <a:endCxn id="3" idx="0"/>
+          </p:cNvCxnSpPr>
+          <p:nvPr/>
+        </p:nvCxnSpPr>
+        <p:spPr>
+          <a:xfrm>
+            <a:off x="1775496" y="2168812"/>
+            <a:ext cx="4132" cy="1080168"/>
+          </a:xfrm>
+          <a:prstGeom prst="line">
+            <a:avLst/>
+          </a:prstGeom>
+          <a:solidFill>
+            <a:schemeClr val="bg1"/>
+          </a:solidFill>
+          <a:ln w="28575">
+            <a:solidFill>
+              <a:schemeClr val="accent1"/>
+            </a:solidFill>
+          </a:ln>
+        </p:spPr>
+        <p:style>
+          <a:lnRef idx="2">
+            <a:schemeClr val="accent1">
+              <a:shade val="15000"/>
+            </a:schemeClr>
+          </a:lnRef>
+          <a:fillRef idx="1">
+            <a:schemeClr val="accent1"/>
+          </a:fillRef>
+          <a:effectRef idx="0">
+            <a:schemeClr val="accent1"/>
+          </a:effectRef>
+          <a:fontRef idx="minor">
+            <a:schemeClr val="lt1"/>
+          </a:fontRef>
+        </p:style>
+      </p:cxnSp>
+      <p:cxnSp>
+        <p:nvCxnSpPr>
+          <p:cNvPr id="30" name="Connecteur droit 29">
+            <a:extLst>
+              <a:ext uri="{FF2B5EF4-FFF2-40B4-BE49-F238E27FC236}">
+                <a16:creationId xmlns:a16="http://schemas.microsoft.com/office/drawing/2014/main" id="{C77BB934-C4AC-287B-FED3-B3F2FEB5A368}"/>
+              </a:ext>
+            </a:extLst>
+          </p:cNvPr>
+          <p:cNvCxnSpPr>
+            <a:cxnSpLocks/>
+            <a:stCxn id="22" idx="3"/>
+            <a:endCxn id="7" idx="7"/>
+          </p:cNvCxnSpPr>
+          <p:nvPr/>
+        </p:nvCxnSpPr>
+        <p:spPr>
+          <a:xfrm flipH="1">
+            <a:off x="1928231" y="711977"/>
+            <a:ext cx="836120" cy="1088100"/>
+          </a:xfrm>
+          <a:prstGeom prst="line">
+            <a:avLst/>
+          </a:prstGeom>
+          <a:solidFill>
+            <a:schemeClr val="bg1"/>
+          </a:solidFill>
+          <a:ln w="28575">
+            <a:solidFill>
+              <a:schemeClr val="accent1"/>
+            </a:solidFill>
+          </a:ln>
+        </p:spPr>
+        <p:style>
+          <a:lnRef idx="2">
+            <a:schemeClr val="accent1">
+              <a:shade val="15000"/>
+            </a:schemeClr>
+          </a:lnRef>
+          <a:fillRef idx="1">
+            <a:schemeClr val="accent1"/>
+          </a:fillRef>
+          <a:effectRef idx="0">
+            <a:schemeClr val="accent1"/>
+          </a:effectRef>
+          <a:fontRef idx="minor">
+            <a:schemeClr val="lt1"/>
+          </a:fontRef>
+        </p:style>
+      </p:cxnSp>
+      <p:cxnSp>
+        <p:nvCxnSpPr>
+          <p:cNvPr id="34" name="Connecteur droit 33">
+            <a:extLst>
+              <a:ext uri="{FF2B5EF4-FFF2-40B4-BE49-F238E27FC236}">
+                <a16:creationId xmlns:a16="http://schemas.microsoft.com/office/drawing/2014/main" id="{9C2A53CD-B2B7-E6D8-A623-55DB9F1FFFDE}"/>
+              </a:ext>
+            </a:extLst>
+          </p:cNvPr>
+          <p:cNvCxnSpPr>
+            <a:cxnSpLocks/>
+            <a:stCxn id="11" idx="1"/>
+            <a:endCxn id="22" idx="5"/>
+          </p:cNvCxnSpPr>
+          <p:nvPr/>
+        </p:nvCxnSpPr>
+        <p:spPr>
+          <a:xfrm flipH="1" flipV="1">
+            <a:off x="3018937" y="711977"/>
+            <a:ext cx="761646" cy="1088100"/>
+          </a:xfrm>
+          <a:prstGeom prst="line">
+            <a:avLst/>
+          </a:prstGeom>
+          <a:solidFill>
+            <a:schemeClr val="bg1"/>
+          </a:solidFill>
+          <a:ln w="28575">
+            <a:solidFill>
+              <a:schemeClr val="accent1"/>
+            </a:solidFill>
+          </a:ln>
+        </p:spPr>
+        <p:style>
+          <a:lnRef idx="2">
+            <a:schemeClr val="accent1">
+              <a:shade val="15000"/>
+            </a:schemeClr>
+          </a:lnRef>
+          <a:fillRef idx="1">
+            <a:schemeClr val="accent1"/>
+          </a:fillRef>
+          <a:effectRef idx="0">
+            <a:schemeClr val="accent1"/>
+          </a:effectRef>
+          <a:fontRef idx="minor">
+            <a:schemeClr val="lt1"/>
+          </a:fontRef>
+        </p:style>
+      </p:cxnSp>
+      <p:cxnSp>
+        <p:nvCxnSpPr>
+          <p:cNvPr id="39" name="Connecteur droit 38">
+            <a:extLst>
+              <a:ext uri="{FF2B5EF4-FFF2-40B4-BE49-F238E27FC236}">
+                <a16:creationId xmlns:a16="http://schemas.microsoft.com/office/drawing/2014/main" id="{DBC6C176-6FC7-70D0-8FB4-B1259B157458}"/>
+              </a:ext>
+            </a:extLst>
+          </p:cNvPr>
+          <p:cNvCxnSpPr>
+            <a:cxnSpLocks/>
+            <a:stCxn id="2" idx="0"/>
+            <a:endCxn id="22" idx="4"/>
+          </p:cNvCxnSpPr>
+          <p:nvPr/>
+        </p:nvCxnSpPr>
+        <p:spPr>
+          <a:xfrm flipV="1">
+            <a:off x="2891644" y="764704"/>
+            <a:ext cx="0" cy="3921232"/>
+          </a:xfrm>
+          <a:prstGeom prst="line">
+            <a:avLst/>
+          </a:prstGeom>
+          <a:solidFill>
+            <a:schemeClr val="bg1"/>
+          </a:solidFill>
+          <a:ln w="28575">
+            <a:solidFill>
+              <a:schemeClr val="accent1"/>
+            </a:solidFill>
+          </a:ln>
+        </p:spPr>
+        <p:style>
+          <a:lnRef idx="2">
+            <a:schemeClr val="accent1">
+              <a:shade val="15000"/>
+            </a:schemeClr>
+          </a:lnRef>
+          <a:fillRef idx="1">
+            <a:schemeClr val="accent1"/>
+          </a:fillRef>
+          <a:effectRef idx="0">
+            <a:schemeClr val="accent1"/>
+          </a:effectRef>
+          <a:fontRef idx="minor">
+            <a:schemeClr val="lt1"/>
+          </a:fontRef>
+        </p:style>
+      </p:cxnSp>
+      <p:cxnSp>
+        <p:nvCxnSpPr>
+          <p:cNvPr id="75" name="Connecteur droit 74">
+            <a:extLst>
+              <a:ext uri="{FF2B5EF4-FFF2-40B4-BE49-F238E27FC236}">
+                <a16:creationId xmlns:a16="http://schemas.microsoft.com/office/drawing/2014/main" id="{FD64BDD0-6BFE-0287-66AB-A9D11EF8B601}"/>
+              </a:ext>
+            </a:extLst>
+          </p:cNvPr>
+          <p:cNvCxnSpPr>
+            <a:cxnSpLocks/>
+            <a:stCxn id="2" idx="7"/>
+            <a:endCxn id="10" idx="3"/>
+          </p:cNvCxnSpPr>
+          <p:nvPr/>
+        </p:nvCxnSpPr>
+        <p:spPr>
+          <a:xfrm flipV="1">
+            <a:off x="3018937" y="3617715"/>
+            <a:ext cx="765778" cy="1120948"/>
+          </a:xfrm>
+          <a:prstGeom prst="line">
+            <a:avLst/>
+          </a:prstGeom>
+          <a:solidFill>
+            <a:schemeClr val="bg1"/>
+          </a:solidFill>
+          <a:ln w="28575">
+            <a:solidFill>
+              <a:schemeClr val="accent1"/>
+            </a:solidFill>
+          </a:ln>
+        </p:spPr>
+        <p:style>
+          <a:lnRef idx="2">
+            <a:schemeClr val="accent1">
+              <a:shade val="15000"/>
+            </a:schemeClr>
+          </a:lnRef>
+          <a:fillRef idx="1">
+            <a:schemeClr val="accent1"/>
+          </a:fillRef>
+          <a:effectRef idx="0">
+            <a:schemeClr val="accent1"/>
+          </a:effectRef>
+          <a:fontRef idx="minor">
+            <a:schemeClr val="lt1"/>
+          </a:fontRef>
+        </p:style>
+      </p:cxnSp>
+      <p:cxnSp>
+        <p:nvCxnSpPr>
+          <p:cNvPr id="80" name="Connecteur droit 79">
+            <a:extLst>
+              <a:ext uri="{FF2B5EF4-FFF2-40B4-BE49-F238E27FC236}">
+                <a16:creationId xmlns:a16="http://schemas.microsoft.com/office/drawing/2014/main" id="{4B8F2BEF-CE40-C689-50AE-DB960CA8D310}"/>
+              </a:ext>
+            </a:extLst>
+          </p:cNvPr>
+          <p:cNvCxnSpPr>
+            <a:cxnSpLocks/>
+            <a:stCxn id="10" idx="0"/>
+            <a:endCxn id="11" idx="4"/>
+          </p:cNvCxnSpPr>
+          <p:nvPr/>
+        </p:nvCxnSpPr>
+        <p:spPr>
+          <a:xfrm flipH="1" flipV="1">
+            <a:off x="3933318" y="2168812"/>
+            <a:ext cx="4132" cy="1080168"/>
+          </a:xfrm>
+          <a:prstGeom prst="line">
+            <a:avLst/>
+          </a:prstGeom>
+          <a:solidFill>
+            <a:schemeClr val="bg1"/>
+          </a:solidFill>
+          <a:ln w="28575">
+            <a:solidFill>
+              <a:schemeClr val="accent1"/>
+            </a:solidFill>
+          </a:ln>
+        </p:spPr>
+        <p:style>
+          <a:lnRef idx="2">
+            <a:schemeClr val="accent1">
+              <a:shade val="15000"/>
+            </a:schemeClr>
+          </a:lnRef>
+          <a:fillRef idx="1">
+            <a:schemeClr val="accent1"/>
+          </a:fillRef>
+          <a:effectRef idx="0">
+            <a:schemeClr val="accent1"/>
+          </a:effectRef>
+          <a:fontRef idx="minor">
+            <a:schemeClr val="lt1"/>
+          </a:fontRef>
+        </p:style>
+      </p:cxnSp>
+      <p:sp>
+        <p:nvSpPr>
+          <p:cNvPr id="83" name="ZoneTexte 82">
+            <a:extLst>
+              <a:ext uri="{FF2B5EF4-FFF2-40B4-BE49-F238E27FC236}">
+                <a16:creationId xmlns:a16="http://schemas.microsoft.com/office/drawing/2014/main" id="{06C8EEEC-7A91-499F-720C-2D18FD9325AD}"/>
+              </a:ext>
+            </a:extLst>
+          </p:cNvPr>
+          <p:cNvSpPr txBox="1"/>
+          <p:nvPr/>
+        </p:nvSpPr>
+        <p:spPr>
+          <a:xfrm>
+            <a:off x="3503712" y="984187"/>
+            <a:ext cx="1934889" cy="369332"/>
+          </a:xfrm>
+          <a:prstGeom prst="rect">
+            <a:avLst/>
+          </a:prstGeom>
+          <a:noFill/>
+        </p:spPr>
+        <p:txBody>
+          <a:bodyPr wrap="none" rtlCol="0">
+            <a:spAutoFit/>
+          </a:bodyPr>
+          <a:lstStyle/>
+          <a:p>
+            <a:r>
+              <a:rPr lang="fr-FR" dirty="0"/>
+              <a:t>Rotule de centre D</a:t>
+            </a:r>
+          </a:p>
+        </p:txBody>
+      </p:sp>
+      <p:sp>
+        <p:nvSpPr>
+          <p:cNvPr id="84" name="ZoneTexte 83">
+            <a:extLst>
+              <a:ext uri="{FF2B5EF4-FFF2-40B4-BE49-F238E27FC236}">
+                <a16:creationId xmlns:a16="http://schemas.microsoft.com/office/drawing/2014/main" id="{861C8079-3079-4D60-F5F3-872DDB8BFB15}"/>
+              </a:ext>
+            </a:extLst>
+          </p:cNvPr>
+          <p:cNvSpPr txBox="1"/>
+          <p:nvPr/>
+        </p:nvSpPr>
+        <p:spPr>
+          <a:xfrm>
+            <a:off x="3509824" y="4144482"/>
+            <a:ext cx="1904432" cy="369332"/>
+          </a:xfrm>
+          <a:prstGeom prst="rect">
+            <a:avLst/>
+          </a:prstGeom>
+          <a:noFill/>
+        </p:spPr>
+        <p:txBody>
+          <a:bodyPr wrap="none" rtlCol="0">
+            <a:spAutoFit/>
+          </a:bodyPr>
+          <a:lstStyle/>
+          <a:p>
+            <a:r>
+              <a:rPr lang="fr-FR" dirty="0"/>
+              <a:t>Rotule de centre E</a:t>
+            </a:r>
+          </a:p>
+        </p:txBody>
+      </p:sp>
+      <p:sp>
+        <p:nvSpPr>
+          <p:cNvPr id="85" name="ZoneTexte 84">
+            <a:extLst>
+              <a:ext uri="{FF2B5EF4-FFF2-40B4-BE49-F238E27FC236}">
+                <a16:creationId xmlns:a16="http://schemas.microsoft.com/office/drawing/2014/main" id="{5A8996A3-0AE1-C8A0-B4FB-9BAA05C81F1C}"/>
+              </a:ext>
+            </a:extLst>
+          </p:cNvPr>
+          <p:cNvSpPr txBox="1"/>
+          <p:nvPr/>
+        </p:nvSpPr>
+        <p:spPr>
+          <a:xfrm>
+            <a:off x="373054" y="4338322"/>
+            <a:ext cx="1925271" cy="369332"/>
+          </a:xfrm>
+          <a:prstGeom prst="rect">
+            <a:avLst/>
+          </a:prstGeom>
+          <a:noFill/>
+        </p:spPr>
+        <p:txBody>
+          <a:bodyPr wrap="none" rtlCol="0">
+            <a:spAutoFit/>
+          </a:bodyPr>
+          <a:lstStyle/>
+          <a:p>
+            <a:r>
+              <a:rPr lang="fr-FR" dirty="0"/>
+              <a:t>Rotule de centre A</a:t>
+            </a:r>
+          </a:p>
+        </p:txBody>
+      </p:sp>
+      <p:sp>
+        <p:nvSpPr>
+          <p:cNvPr id="86" name="ZoneTexte 85">
+            <a:extLst>
+              <a:ext uri="{FF2B5EF4-FFF2-40B4-BE49-F238E27FC236}">
+                <a16:creationId xmlns:a16="http://schemas.microsoft.com/office/drawing/2014/main" id="{D993F765-E97E-6B9C-0A9C-A12AE91609B3}"/>
+              </a:ext>
+            </a:extLst>
+          </p:cNvPr>
+          <p:cNvSpPr txBox="1"/>
+          <p:nvPr/>
+        </p:nvSpPr>
+        <p:spPr>
+          <a:xfrm>
+            <a:off x="373053" y="906034"/>
+            <a:ext cx="1917256" cy="369332"/>
+          </a:xfrm>
+          <a:prstGeom prst="rect">
+            <a:avLst/>
+          </a:prstGeom>
+          <a:noFill/>
+        </p:spPr>
+        <p:txBody>
+          <a:bodyPr wrap="none" rtlCol="0">
+            <a:spAutoFit/>
+          </a:bodyPr>
+          <a:lstStyle/>
+          <a:p>
+            <a:r>
+              <a:rPr lang="fr-FR" dirty="0"/>
+              <a:t>Rotule de centre B</a:t>
+            </a:r>
+          </a:p>
+        </p:txBody>
+      </p:sp>
+      <mc:AlternateContent xmlns:mc="http://schemas.openxmlformats.org/markup-compatibility/2006">
+        <mc:Choice xmlns:a14="http://schemas.microsoft.com/office/drawing/2010/main" Requires="a14">
+          <p:sp>
+            <p:nvSpPr>
+              <p:cNvPr id="87" name="ZoneTexte 86">
+                <a:extLst>
+                  <a:ext uri="{FF2B5EF4-FFF2-40B4-BE49-F238E27FC236}">
+                    <a16:creationId xmlns:a16="http://schemas.microsoft.com/office/drawing/2014/main" id="{1701CC9F-3C60-B7C6-BC71-87057350B74D}"/>
+                  </a:ext>
+                </a:extLst>
+              </p:cNvPr>
+              <p:cNvSpPr txBox="1"/>
+              <p:nvPr/>
+            </p:nvSpPr>
+            <p:spPr>
+              <a:xfrm rot="16200000">
+                <a:off x="-1262" y="2472331"/>
+                <a:ext cx="2145972" cy="369332"/>
+              </a:xfrm>
+              <a:prstGeom prst="rect">
+                <a:avLst/>
+              </a:prstGeom>
+              <a:noFill/>
+            </p:spPr>
+            <p:txBody>
+              <a:bodyPr wrap="none" rtlCol="0">
+                <a:spAutoFit/>
+              </a:bodyPr>
+              <a:lstStyle/>
+              <a:p>
+                <a:r>
+                  <a:rPr lang="fr-FR" dirty="0"/>
+                  <a:t>Glissière direction </a:t>
+                </a:r>
+                <a14:m>
+                  <m:oMath xmlns:m="http://schemas.openxmlformats.org/officeDocument/2006/math">
+                    <m:acc>
+                      <m:accPr>
+                        <m:chr m:val="⃗"/>
+                        <m:ctrlPr>
+                          <a:rPr lang="fr-FR" i="1" smtClean="0">
+                            <a:latin typeface="Cambria Math" panose="02040503050406030204" pitchFamily="18" charset="0"/>
+                          </a:rPr>
+                        </m:ctrlPr>
+                      </m:accPr>
+                      <m:e>
+                        <m:sSub>
+                          <m:sSubPr>
+                            <m:ctrlPr>
+                              <a:rPr lang="fr-FR" b="0" i="1" smtClean="0">
+                                <a:latin typeface="Cambria Math" panose="02040503050406030204" pitchFamily="18" charset="0"/>
+                              </a:rPr>
+                            </m:ctrlPr>
+                          </m:sSubPr>
+                          <m:e>
+                            <m:r>
+                              <a:rPr lang="fr-FR" b="0" i="1" smtClean="0">
+                                <a:latin typeface="Cambria Math" panose="02040503050406030204" pitchFamily="18" charset="0"/>
+                              </a:rPr>
+                              <m:t>𝑦</m:t>
+                            </m:r>
+                          </m:e>
+                          <m:sub>
+                            <m:r>
+                              <a:rPr lang="fr-FR" b="0" i="1" smtClean="0">
+                                <a:latin typeface="Cambria Math" panose="02040503050406030204" pitchFamily="18" charset="0"/>
+                              </a:rPr>
+                              <m:t>1</m:t>
+                            </m:r>
+                          </m:sub>
+                        </m:sSub>
+                      </m:e>
+                    </m:acc>
+                  </m:oMath>
+                </a14:m>
+                <a:endParaRPr lang="fr-FR" dirty="0"/>
+              </a:p>
+            </p:txBody>
+          </p:sp>
+        </mc:Choice>
+        <mc:Fallback>
+          <p:sp>
+            <p:nvSpPr>
+              <p:cNvPr id="87" name="ZoneTexte 86">
+                <a:extLst>
+                  <a:ext uri="{FF2B5EF4-FFF2-40B4-BE49-F238E27FC236}">
+                    <a16:creationId xmlns:a16="http://schemas.microsoft.com/office/drawing/2014/main" id="{1701CC9F-3C60-B7C6-BC71-87057350B74D}"/>
+                  </a:ext>
+                </a:extLst>
+              </p:cNvPr>
+              <p:cNvSpPr txBox="1">
+                <a:spLocks noRot="1" noChangeAspect="1" noMove="1" noResize="1" noEditPoints="1" noAdjustHandles="1" noChangeArrowheads="1" noChangeShapeType="1" noTextEdit="1"/>
+              </p:cNvSpPr>
+              <p:nvPr/>
+            </p:nvSpPr>
+            <p:spPr>
+              <a:xfrm rot="16200000">
+                <a:off x="-1262" y="2472331"/>
+                <a:ext cx="2145972" cy="369332"/>
+              </a:xfrm>
+              <a:prstGeom prst="rect">
+                <a:avLst/>
+              </a:prstGeom>
+              <a:blipFill>
+                <a:blip r:embed="rId3"/>
+                <a:stretch>
+                  <a:fillRect l="-10000" r="-26667" b="-2273"/>
+                </a:stretch>
+              </a:blipFill>
+            </p:spPr>
+            <p:txBody>
+              <a:bodyPr/>
+              <a:lstStyle/>
+              <a:p>
+                <a:r>
+                  <a:rPr lang="fr-FR">
+                    <a:noFill/>
+                  </a:rPr>
+                  <a:t> </a:t>
+                </a:r>
+              </a:p>
+            </p:txBody>
+          </p:sp>
+        </mc:Fallback>
+      </mc:AlternateContent>
+      <mc:AlternateContent xmlns:mc="http://schemas.openxmlformats.org/markup-compatibility/2006">
+        <mc:Choice xmlns:a14="http://schemas.microsoft.com/office/drawing/2010/main" Requires="a14">
+          <p:sp>
+            <p:nvSpPr>
+              <p:cNvPr id="88" name="ZoneTexte 87">
+                <a:extLst>
+                  <a:ext uri="{FF2B5EF4-FFF2-40B4-BE49-F238E27FC236}">
+                    <a16:creationId xmlns:a16="http://schemas.microsoft.com/office/drawing/2014/main" id="{187E28B2-291D-07D3-620A-DD22FC876ED0}"/>
+                  </a:ext>
+                </a:extLst>
+              </p:cNvPr>
+              <p:cNvSpPr txBox="1"/>
+              <p:nvPr/>
+            </p:nvSpPr>
+            <p:spPr>
+              <a:xfrm rot="16200000">
+                <a:off x="3379233" y="2472331"/>
+                <a:ext cx="2215991" cy="369332"/>
+              </a:xfrm>
+              <a:prstGeom prst="rect">
+                <a:avLst/>
+              </a:prstGeom>
+              <a:noFill/>
+            </p:spPr>
+            <p:txBody>
+              <a:bodyPr wrap="none" rtlCol="0">
+                <a:spAutoFit/>
+              </a:bodyPr>
+              <a:lstStyle/>
+              <a:p>
+                <a:r>
+                  <a:rPr lang="fr-FR" dirty="0"/>
+                  <a:t>Glissière direction </a:t>
+                </a:r>
+                <a14:m>
+                  <m:oMath xmlns:m="http://schemas.openxmlformats.org/officeDocument/2006/math">
+                    <m:acc>
+                      <m:accPr>
+                        <m:chr m:val="⃗"/>
+                        <m:ctrlPr>
+                          <a:rPr lang="fr-FR" i="1" smtClean="0">
+                            <a:latin typeface="Cambria Math" panose="02040503050406030204" pitchFamily="18" charset="0"/>
+                          </a:rPr>
+                        </m:ctrlPr>
+                      </m:accPr>
+                      <m:e>
+                        <m:sSub>
+                          <m:sSubPr>
+                            <m:ctrlPr>
+                              <a:rPr lang="fr-FR" b="0" i="1" smtClean="0">
+                                <a:latin typeface="Cambria Math" panose="02040503050406030204" pitchFamily="18" charset="0"/>
+                              </a:rPr>
+                            </m:ctrlPr>
+                          </m:sSubPr>
+                          <m:e>
+                            <m:r>
+                              <a:rPr lang="fr-FR" b="0" i="1" smtClean="0">
+                                <a:latin typeface="Cambria Math" panose="02040503050406030204" pitchFamily="18" charset="0"/>
+                              </a:rPr>
+                              <m:t>𝑦</m:t>
+                            </m:r>
+                          </m:e>
+                          <m:sub>
+                            <m:r>
+                              <a:rPr lang="fr-FR" b="0" i="1" smtClean="0">
+                                <a:latin typeface="Cambria Math" panose="02040503050406030204" pitchFamily="18" charset="0"/>
+                              </a:rPr>
+                              <m:t>2</m:t>
+                            </m:r>
+                          </m:sub>
+                        </m:sSub>
+                      </m:e>
+                    </m:acc>
+                  </m:oMath>
+                </a14:m>
+                <a:endParaRPr lang="fr-FR" dirty="0"/>
+              </a:p>
+            </p:txBody>
+          </p:sp>
+        </mc:Choice>
+        <mc:Fallback>
+          <p:sp>
+            <p:nvSpPr>
+              <p:cNvPr id="88" name="ZoneTexte 87">
+                <a:extLst>
+                  <a:ext uri="{FF2B5EF4-FFF2-40B4-BE49-F238E27FC236}">
+                    <a16:creationId xmlns:a16="http://schemas.microsoft.com/office/drawing/2014/main" id="{187E28B2-291D-07D3-620A-DD22FC876ED0}"/>
+                  </a:ext>
+                </a:extLst>
+              </p:cNvPr>
+              <p:cNvSpPr txBox="1">
+                <a:spLocks noRot="1" noChangeAspect="1" noMove="1" noResize="1" noEditPoints="1" noAdjustHandles="1" noChangeArrowheads="1" noChangeShapeType="1" noTextEdit="1"/>
+              </p:cNvSpPr>
+              <p:nvPr/>
+            </p:nvSpPr>
+            <p:spPr>
+              <a:xfrm rot="16200000">
+                <a:off x="3379233" y="2472331"/>
+                <a:ext cx="2215991" cy="369332"/>
+              </a:xfrm>
+              <a:prstGeom prst="rect">
+                <a:avLst/>
+              </a:prstGeom>
+              <a:blipFill>
+                <a:blip r:embed="rId4"/>
+                <a:stretch>
+                  <a:fillRect l="-10000" r="-26667" b="-2198"/>
+                </a:stretch>
+              </a:blipFill>
+            </p:spPr>
+            <p:txBody>
+              <a:bodyPr/>
+              <a:lstStyle/>
+              <a:p>
+                <a:r>
+                  <a:rPr lang="fr-FR">
+                    <a:noFill/>
+                  </a:rPr>
+                  <a:t> </a:t>
+                </a:r>
+              </a:p>
+            </p:txBody>
+          </p:sp>
+        </mc:Fallback>
+      </mc:AlternateContent>
+      <mc:AlternateContent xmlns:mc="http://schemas.openxmlformats.org/markup-compatibility/2006">
+        <mc:Choice xmlns:a14="http://schemas.microsoft.com/office/drawing/2010/main" Requires="a14">
+          <p:sp>
+            <p:nvSpPr>
+              <p:cNvPr id="89" name="ZoneTexte 88">
+                <a:extLst>
+                  <a:ext uri="{FF2B5EF4-FFF2-40B4-BE49-F238E27FC236}">
+                    <a16:creationId xmlns:a16="http://schemas.microsoft.com/office/drawing/2014/main" id="{007E1137-C329-E2D8-FCD4-874DA0D0E4B9}"/>
+                  </a:ext>
+                </a:extLst>
+              </p:cNvPr>
+              <p:cNvSpPr txBox="1"/>
+              <p:nvPr/>
+            </p:nvSpPr>
+            <p:spPr>
+              <a:xfrm rot="16200000">
+                <a:off x="1200828" y="2566276"/>
+                <a:ext cx="3012299" cy="369332"/>
+              </a:xfrm>
+              <a:prstGeom prst="rect">
+                <a:avLst/>
+              </a:prstGeom>
+              <a:noFill/>
+            </p:spPr>
+            <p:txBody>
+              <a:bodyPr wrap="none" rtlCol="0">
+                <a:spAutoFit/>
+              </a:bodyPr>
+              <a:lstStyle/>
+              <a:p>
+                <a:r>
+                  <a:rPr lang="fr-FR" dirty="0"/>
+                  <a:t>Linéaire annulaire d’axe </a:t>
+                </a:r>
+                <a14:m>
+                  <m:oMath xmlns:m="http://schemas.openxmlformats.org/officeDocument/2006/math">
+                    <m:d>
+                      <m:dPr>
+                        <m:ctrlPr>
+                          <a:rPr lang="fr-FR" i="1" smtClean="0">
+                            <a:latin typeface="Cambria Math" panose="02040503050406030204" pitchFamily="18" charset="0"/>
+                          </a:rPr>
+                        </m:ctrlPr>
+                      </m:dPr>
+                      <m:e>
+                        <m:r>
+                          <a:rPr lang="fr-FR" b="0" i="1" smtClean="0">
+                            <a:latin typeface="Cambria Math" panose="02040503050406030204" pitchFamily="18" charset="0"/>
+                          </a:rPr>
+                          <m:t>𝐶</m:t>
+                        </m:r>
+                        <m:r>
+                          <a:rPr lang="fr-FR" b="0" i="1" smtClean="0">
+                            <a:latin typeface="Cambria Math" panose="02040503050406030204" pitchFamily="18" charset="0"/>
+                          </a:rPr>
+                          <m:t>,</m:t>
+                        </m:r>
+                        <m:acc>
+                          <m:accPr>
+                            <m:chr m:val="⃗"/>
+                            <m:ctrlPr>
+                              <a:rPr lang="fr-FR" b="0" i="1" smtClean="0">
+                                <a:latin typeface="Cambria Math" panose="02040503050406030204" pitchFamily="18" charset="0"/>
+                              </a:rPr>
+                            </m:ctrlPr>
+                          </m:accPr>
+                          <m:e>
+                            <m:r>
+                              <a:rPr lang="fr-FR" b="0" i="1" smtClean="0">
+                                <a:latin typeface="Cambria Math" panose="02040503050406030204" pitchFamily="18" charset="0"/>
+                              </a:rPr>
+                              <m:t>𝑦</m:t>
+                            </m:r>
+                          </m:e>
+                        </m:acc>
+                      </m:e>
+                    </m:d>
+                  </m:oMath>
+                </a14:m>
+                <a:endParaRPr lang="fr-FR" dirty="0"/>
+              </a:p>
+            </p:txBody>
+          </p:sp>
+        </mc:Choice>
+        <mc:Fallback>
+          <p:sp>
+            <p:nvSpPr>
+              <p:cNvPr id="89" name="ZoneTexte 88">
+                <a:extLst>
+                  <a:ext uri="{FF2B5EF4-FFF2-40B4-BE49-F238E27FC236}">
+                    <a16:creationId xmlns:a16="http://schemas.microsoft.com/office/drawing/2014/main" id="{007E1137-C329-E2D8-FCD4-874DA0D0E4B9}"/>
+                  </a:ext>
+                </a:extLst>
+              </p:cNvPr>
+              <p:cNvSpPr txBox="1">
+                <a:spLocks noRot="1" noChangeAspect="1" noMove="1" noResize="1" noEditPoints="1" noAdjustHandles="1" noChangeArrowheads="1" noChangeShapeType="1" noTextEdit="1"/>
+              </p:cNvSpPr>
+              <p:nvPr/>
+            </p:nvSpPr>
+            <p:spPr>
+              <a:xfrm rot="16200000">
+                <a:off x="1200828" y="2566276"/>
+                <a:ext cx="3012299" cy="369332"/>
+              </a:xfrm>
+              <a:prstGeom prst="rect">
+                <a:avLst/>
+              </a:prstGeom>
+              <a:blipFill>
+                <a:blip r:embed="rId5"/>
+                <a:stretch>
+                  <a:fillRect l="-23333" t="-5263" r="-26667" b="-1822"/>
+                </a:stretch>
+              </a:blipFill>
+            </p:spPr>
+            <p:txBody>
+              <a:bodyPr/>
+              <a:lstStyle/>
+              <a:p>
+                <a:r>
+                  <a:rPr lang="fr-FR">
+                    <a:noFill/>
+                  </a:rPr>
+                  <a:t> </a:t>
+                </a:r>
+              </a:p>
+            </p:txBody>
+          </p:sp>
+        </mc:Fallback>
+      </mc:AlternateContent>
+    </p:spTree>
+    <p:extLst>
+      <p:ext uri="{BB962C8B-B14F-4D97-AF65-F5344CB8AC3E}">
+        <p14:creationId xmlns:p14="http://schemas.microsoft.com/office/powerpoint/2010/main" val="2476282088"/>
       </p:ext>
     </p:extLst>
   </p:cSld>
